--- a/presentations/StaticAnalysers.pptx
+++ b/presentations/StaticAnalysers.pptx
@@ -15,10 +15,10 @@
     <p:sldId id="274" r:id="rId9"/>
     <p:sldId id="258" r:id="rId10"/>
     <p:sldId id="317" r:id="rId11"/>
-    <p:sldId id="316" r:id="rId12"/>
+    <p:sldId id="375" r:id="rId12"/>
     <p:sldId id="259" r:id="rId13"/>
-    <p:sldId id="260" r:id="rId14"/>
-    <p:sldId id="261" r:id="rId15"/>
+    <p:sldId id="261" r:id="rId14"/>
+    <p:sldId id="260" r:id="rId15"/>
     <p:sldId id="262" r:id="rId16"/>
     <p:sldId id="263" r:id="rId17"/>
     <p:sldId id="266" r:id="rId18"/>
@@ -50,11 +50,15 @@
     <p:sldId id="309" r:id="rId44"/>
     <p:sldId id="310" r:id="rId45"/>
     <p:sldId id="311" r:id="rId46"/>
-    <p:sldId id="314" r:id="rId47"/>
-    <p:sldId id="315" r:id="rId48"/>
-    <p:sldId id="289" r:id="rId49"/>
-    <p:sldId id="290" r:id="rId50"/>
-    <p:sldId id="291" r:id="rId51"/>
+    <p:sldId id="376" r:id="rId47"/>
+    <p:sldId id="314" r:id="rId48"/>
+    <p:sldId id="377" r:id="rId49"/>
+    <p:sldId id="378" r:id="rId50"/>
+    <p:sldId id="315" r:id="rId51"/>
+    <p:sldId id="289" r:id="rId52"/>
+    <p:sldId id="290" r:id="rId53"/>
+    <p:sldId id="291" r:id="rId54"/>
+    <p:sldId id="380" r:id="rId55"/>
   </p:sldIdLst>
   <p:sldSz cx="12192000" cy="6858000"/>
   <p:notesSz cx="6858000" cy="9144000"/>
@@ -3479,8 +3483,8 @@
         </p:nvSpPr>
         <p:spPr>
           <a:xfrm>
-            <a:off x="1524000" y="3602037"/>
-            <a:ext cx="9144000" cy="2847924"/>
+            <a:off x="3274142" y="3716594"/>
+            <a:ext cx="7393858" cy="2960157"/>
           </a:xfrm>
         </p:spPr>
         <p:txBody>
@@ -3643,6 +3647,36 @@
           </a:p>
         </p:txBody>
       </p:sp>
+      <p:pic>
+        <p:nvPicPr>
+          <p:cNvPr id="6" name="Рисунок 5">
+            <a:extLst>
+              <a:ext uri="{FF2B5EF4-FFF2-40B4-BE49-F238E27FC236}">
+                <a16:creationId xmlns:a16="http://schemas.microsoft.com/office/drawing/2014/main" id="{1AA4E701-B694-098B-FD0C-2228F2293F03}"/>
+              </a:ext>
+            </a:extLst>
+          </p:cNvPr>
+          <p:cNvPicPr>
+            <a:picLocks noChangeAspect="1"/>
+          </p:cNvPicPr>
+          <p:nvPr/>
+        </p:nvPicPr>
+        <p:blipFill>
+          <a:blip r:embed="rId4"/>
+          <a:stretch>
+            <a:fillRect/>
+          </a:stretch>
+        </p:blipFill>
+        <p:spPr>
+          <a:xfrm>
+            <a:off x="0" y="3612981"/>
+            <a:ext cx="3141518" cy="3255963"/>
+          </a:xfrm>
+          <a:prstGeom prst="rect">
+            <a:avLst/>
+          </a:prstGeom>
+        </p:spPr>
+      </p:pic>
     </p:spTree>
     <p:extLst>
       <p:ext uri="{BB962C8B-B14F-4D97-AF65-F5344CB8AC3E}">
@@ -3725,7 +3759,7 @@
         <p:spPr>
           <a:xfrm>
             <a:off x="704006" y="1262358"/>
-            <a:ext cx="10859513" cy="5470038"/>
+            <a:ext cx="10873477" cy="5470038"/>
           </a:xfrm>
         </p:spPr>
         <p:txBody>
@@ -3741,21 +3775,6 @@
             </a:pPr>
             <a:r>
               <a:rPr lang="ru-RU" b="1" dirty="0"/>
-              <a:t>Выявление потенциальных ошибок</a:t>
-            </a:r>
-            <a:r>
-              <a:rPr lang="ru-RU" dirty="0"/>
-              <a:t>: Например, он может указать на неправильное использование переменных, незакрытые файлы или потенциальные утечки памяти.</a:t>
-            </a:r>
-          </a:p>
-          <a:p>
-            <a:pPr fontAlgn="base">
-              <a:lnSpc>
-                <a:spcPct val="120000"/>
-              </a:lnSpc>
-            </a:pPr>
-            <a:r>
-              <a:rPr lang="ru-RU" b="1" dirty="0"/>
               <a:t>Улучшение качества кода</a:t>
             </a:r>
             <a:r>
@@ -3778,6 +3797,21 @@
             </a:pPr>
             <a:r>
               <a:rPr lang="ru-RU" b="1" dirty="0"/>
+              <a:t>Выявление потенциальных ошибок</a:t>
+            </a:r>
+            <a:r>
+              <a:rPr lang="ru-RU" dirty="0"/>
+              <a:t>: Например, он может указать на неправильное использование переменных, незакрытые файлы или потенциальные утечки памяти.</a:t>
+            </a:r>
+          </a:p>
+          <a:p>
+            <a:pPr fontAlgn="base">
+              <a:lnSpc>
+                <a:spcPct val="120000"/>
+              </a:lnSpc>
+            </a:pPr>
+            <a:r>
+              <a:rPr lang="ru-RU" b="1" dirty="0"/>
               <a:t>Соответствие стандартам кодирования</a:t>
             </a:r>
             <a:r>
@@ -3824,11 +3858,47 @@
             </a:pPr>
             <a:r>
               <a:rPr lang="ru-RU" b="1" dirty="0"/>
+              <a:t>Быстро возвращает обратную связь</a:t>
+            </a:r>
+            <a:endParaRPr lang="ru-RU" dirty="0"/>
+          </a:p>
+          <a:p>
+            <a:pPr fontAlgn="base">
+              <a:lnSpc>
+                <a:spcPct val="120000"/>
+              </a:lnSpc>
+            </a:pPr>
+            <a:r>
+              <a:rPr lang="ru-RU" b="1" dirty="0"/>
               <a:t>Экономия времени и ресурсов</a:t>
             </a:r>
             <a:r>
               <a:rPr lang="ru-RU" dirty="0"/>
-              <a:t>: статический анализатор кода помогает выявить проблемы и ошибки на ранних стадиях разработки, что позволяет сэкономить время и ресурсы. Исправление проблем в ранней фазе разработки обычно требует меньше усилий, чем внесение изменений в уже функционирующую систему.</a:t>
+              <a:t>: не нужно тратить время на ручной анализ + отсутствие задержек на </a:t>
+            </a:r>
+            <a:r>
+              <a:rPr lang="en-US" dirty="0"/>
+              <a:t>Review</a:t>
+            </a:r>
+            <a:endParaRPr lang="ru-RU" dirty="0"/>
+          </a:p>
+          <a:p>
+            <a:pPr fontAlgn="base">
+              <a:lnSpc>
+                <a:spcPct val="120000"/>
+              </a:lnSpc>
+            </a:pPr>
+            <a:r>
+              <a:rPr lang="ru-RU" dirty="0"/>
+              <a:t>Выявляет проблемы и ошибки </a:t>
+            </a:r>
+            <a:r>
+              <a:rPr lang="ru-RU" b="1" dirty="0"/>
+              <a:t>на ранних стадиях разработки</a:t>
+            </a:r>
+            <a:r>
+              <a:rPr lang="ru-RU" dirty="0"/>
+              <a:t>. Исправление проблем в ранней фазе разработки обычно требует меньше усилий, чем внесение изменений в уже функционирующую систему.</a:t>
             </a:r>
           </a:p>
         </p:txBody>
@@ -3868,7 +3938,7 @@
           <p:cNvPr id="2" name="Заголовок 1">
             <a:extLst>
               <a:ext uri="{FF2B5EF4-FFF2-40B4-BE49-F238E27FC236}">
-                <a16:creationId xmlns:a16="http://schemas.microsoft.com/office/drawing/2014/main" id="{69AFDF76-5426-92FE-A3A0-7C4C2B6D1B38}"/>
+                <a16:creationId xmlns:a16="http://schemas.microsoft.com/office/drawing/2014/main" id="{313224B8-288A-1846-5E5C-D82325BD9394}"/>
               </a:ext>
             </a:extLst>
           </p:cNvPr>
@@ -3879,23 +3949,19 @@
             <p:ph type="title"/>
           </p:nvPr>
         </p:nvSpPr>
-        <p:spPr/>
+        <p:spPr>
+          <a:xfrm>
+            <a:off x="838200" y="365125"/>
+            <a:ext cx="10515600" cy="995589"/>
+          </a:xfrm>
+        </p:spPr>
         <p:txBody>
-          <a:bodyPr>
-            <a:normAutofit/>
-          </a:bodyPr>
+          <a:bodyPr/>
           <a:lstStyle/>
           <a:p>
             <a:r>
-              <a:rPr lang="ru-RU" sz="4000" dirty="0"/>
-              <a:t>Недостатки / неудобства</a:t>
-            </a:r>
-            <a:br>
-              <a:rPr lang="ru-RU" sz="4000" dirty="0"/>
-            </a:br>
-            <a:r>
-              <a:rPr lang="ru-RU" sz="4000" dirty="0"/>
-              <a:t>статических анализаторов</a:t>
+              <a:rPr lang="ru-RU" dirty="0"/>
+              <a:t>Когда / как использовать СА</a:t>
             </a:r>
           </a:p>
         </p:txBody>
@@ -3905,7 +3971,7 @@
           <p:cNvPr id="3" name="Объект 2">
             <a:extLst>
               <a:ext uri="{FF2B5EF4-FFF2-40B4-BE49-F238E27FC236}">
-                <a16:creationId xmlns:a16="http://schemas.microsoft.com/office/drawing/2014/main" id="{5B7CE656-9232-8204-C2FB-6B4F0F372D84}"/>
+                <a16:creationId xmlns:a16="http://schemas.microsoft.com/office/drawing/2014/main" id="{6A49B5A8-4047-B67E-D01E-759DEF439A03}"/>
               </a:ext>
             </a:extLst>
           </p:cNvPr>
@@ -3916,48 +3982,118 @@
             <p:ph idx="1"/>
           </p:nvPr>
         </p:nvSpPr>
-        <p:spPr/>
+        <p:spPr>
+          <a:xfrm>
+            <a:off x="838200" y="1458686"/>
+            <a:ext cx="10515600" cy="4718277"/>
+          </a:xfrm>
+        </p:spPr>
         <p:txBody>
           <a:bodyPr>
-            <a:normAutofit/>
+            <a:normAutofit lnSpcReduction="10000"/>
           </a:bodyPr>
           <a:lstStyle/>
           <a:p>
             <a:r>
-              <a:rPr lang="ru-RU" sz="2400" dirty="0"/>
-              <a:t>Ложные срабатывания (</a:t>
-            </a:r>
-            <a:r>
-              <a:rPr lang="en" sz="2400" dirty="0"/>
-              <a:t>false positives)</a:t>
-            </a:r>
-          </a:p>
-          <a:p>
-            <a:r>
-              <a:rPr lang="ru-RU" sz="2400" dirty="0"/>
-              <a:t>Многие правила плохо соотносятся с конкретным проектом</a:t>
+              <a:rPr lang="ru-RU" dirty="0"/>
+              <a:t>Периодически по желанию / по мере возрастания энтропии</a:t>
+            </a:r>
+          </a:p>
+          <a:p>
+            <a:r>
+              <a:rPr lang="ru-RU" dirty="0"/>
+              <a:t>Вручную перед каждым коммитом</a:t>
+            </a:r>
+          </a:p>
+          <a:p>
+            <a:r>
+              <a:rPr lang="ru-RU" dirty="0"/>
+              <a:t>Автоматически перед коммитом</a:t>
+            </a:r>
+          </a:p>
+          <a:p>
+            <a:r>
+              <a:rPr lang="ru-RU" dirty="0"/>
+              <a:t>Автоматически после коммита (внутри </a:t>
+            </a:r>
+            <a:r>
+              <a:rPr lang="en-US" dirty="0"/>
+              <a:t>CI/CD</a:t>
+            </a:r>
+            <a:r>
+              <a:rPr lang="ru-RU" dirty="0"/>
+              <a:t>)</a:t>
+            </a:r>
+            <a:endParaRPr lang="en-US" dirty="0"/>
+          </a:p>
+          <a:p>
+            <a:r>
+              <a:rPr lang="ru-RU" dirty="0"/>
+              <a:t>Периодический анализ всего кода в репозитории</a:t>
             </a:r>
           </a:p>
           <a:p>
             <a:pPr lvl="1"/>
             <a:r>
-              <a:rPr lang="ru-RU" sz="2000" dirty="0"/>
-              <a:t>Нужно настраивать под себя</a:t>
-            </a:r>
+              <a:rPr lang="ru-RU" dirty="0"/>
+              <a:t>Ночные </a:t>
+            </a:r>
+            <a:r>
+              <a:rPr lang="en-US" dirty="0"/>
+              <a:t>«</a:t>
+            </a:r>
+            <a:r>
+              <a:rPr lang="ru-RU" dirty="0"/>
+              <a:t>письма счастья</a:t>
+            </a:r>
+            <a:r>
+              <a:rPr lang="en-US" dirty="0"/>
+              <a:t>»</a:t>
+            </a:r>
+          </a:p>
+          <a:p>
+            <a:r>
+              <a:rPr lang="ru-RU" dirty="0"/>
+              <a:t>Разовое использование для улучшение всей кодовой базы</a:t>
+            </a:r>
+            <a:r>
+              <a:rPr lang="en-US" dirty="0"/>
+              <a:t> («</a:t>
+            </a:r>
+            <a:r>
+              <a:rPr lang="ru-RU" dirty="0"/>
+              <a:t>Субботник</a:t>
+            </a:r>
+            <a:r>
+              <a:rPr lang="en-US" dirty="0"/>
+              <a:t>»)</a:t>
+            </a:r>
+            <a:endParaRPr lang="ru-RU" dirty="0"/>
           </a:p>
           <a:p>
             <a:pPr lvl="1"/>
             <a:r>
-              <a:rPr lang="ru-RU" sz="2000" dirty="0"/>
-              <a:t>Сложно составить набор правил обязательных к исполнению, но возможно )</a:t>
-            </a:r>
+              <a:rPr lang="ru-RU" dirty="0"/>
+              <a:t>Решили прогнать весь код на соответствие определённым правилам</a:t>
+            </a:r>
+            <a:endParaRPr lang="en-US" dirty="0"/>
+          </a:p>
+          <a:p>
+            <a:pPr lvl="1"/>
+            <a:r>
+              <a:rPr lang="ru-RU" dirty="0"/>
+              <a:t>Исправили все недочёты данного вида и после этого автоматизировали контроль, чтобы не появлялось новых</a:t>
+            </a:r>
+          </a:p>
+          <a:p>
+            <a:endParaRPr lang="ru-RU" dirty="0"/>
           </a:p>
         </p:txBody>
       </p:sp>
     </p:spTree>
     <p:extLst>
       <p:ext uri="{BB962C8B-B14F-4D97-AF65-F5344CB8AC3E}">
-        <p14:creationId xmlns:p14="http://schemas.microsoft.com/office/powerpoint/2010/main" val="929632185"/>
+        <p14:creationId xmlns:p14="http://schemas.microsoft.com/office/powerpoint/2010/main" val="3251063425"/>
       </p:ext>
     </p:extLst>
   </p:cSld>
@@ -4041,30 +4177,10 @@
         </p:spPr>
         <p:txBody>
           <a:bodyPr>
-            <a:normAutofit fontScale="70000" lnSpcReduction="20000"/>
+            <a:normAutofit fontScale="85000" lnSpcReduction="20000"/>
           </a:bodyPr>
           <a:lstStyle/>
           <a:p>
-            <a:pPr marL="0" indent="0" algn="l">
-              <a:lnSpc>
-                <a:spcPct val="120000"/>
-              </a:lnSpc>
-              <a:buNone/>
-            </a:pPr>
-            <a:r>
-              <a:rPr lang="ru-RU" dirty="0"/>
-              <a:t>Весь инструментарий, доступный разработчикам </a:t>
-            </a:r>
-            <a:r>
-              <a:rPr lang="en" dirty="0"/>
-              <a:t>Python, </a:t>
-            </a:r>
-            <a:r>
-              <a:rPr lang="ru-RU" dirty="0"/>
-              <a:t>можно условно разделить на две группы по способу реагирования на ошибки:</a:t>
-            </a:r>
-          </a:p>
-          <a:p>
             <a:pPr marL="360000" indent="-360000">
               <a:lnSpc>
                 <a:spcPct val="120000"/>
@@ -4203,18 +4319,26 @@
               </a:lnSpc>
             </a:pPr>
             <a:r>
-              <a:rPr lang="ru-RU" dirty="0"/>
-              <a:t>Простые утилиты командной строки для решения узкоспециализированных задач (например, проверка </a:t>
-            </a:r>
-            <a:r>
-              <a:rPr lang="en" dirty="0"/>
+              <a:rPr lang="ru-RU" sz="2400" dirty="0"/>
+              <a:t>Простые </a:t>
+            </a:r>
+            <a:r>
+              <a:rPr lang="ru-RU" sz="2400" b="1" dirty="0"/>
+              <a:t>утилиты командной строки</a:t>
+            </a:r>
+            <a:r>
+              <a:rPr lang="ru-RU" sz="2400" dirty="0"/>
+              <a:t> для решения узкоспециализированных задач (например, проверка </a:t>
+            </a:r>
+            <a:r>
+              <a:rPr lang="en" sz="2400" dirty="0"/>
               <a:t>docstring </a:t>
             </a:r>
             <a:r>
-              <a:rPr lang="ru-RU" dirty="0"/>
+              <a:rPr lang="ru-RU" sz="2400" dirty="0"/>
               <a:t>или сортировка импортов),</a:t>
             </a:r>
-            <a:endParaRPr lang="en-US" dirty="0"/>
+            <a:endParaRPr lang="en-US" sz="2400" dirty="0"/>
           </a:p>
           <a:p>
             <a:pPr>
@@ -4223,15 +4347,23 @@
               </a:lnSpc>
             </a:pPr>
             <a:r>
-              <a:rPr lang="ru-RU" dirty="0"/>
-              <a:t>Инструменты, встроенные в I</a:t>
-            </a:r>
-            <a:r>
-              <a:rPr lang="en-US" dirty="0"/>
-              <a:t>DE / </a:t>
-            </a:r>
-            <a:r>
-              <a:rPr lang="ru-RU" dirty="0"/>
+              <a:rPr lang="ru-RU" sz="2400" dirty="0"/>
+              <a:t>Инструменты, </a:t>
+            </a:r>
+            <a:r>
+              <a:rPr lang="ru-RU" sz="2400" b="1" dirty="0"/>
+              <a:t>встроенные в I</a:t>
+            </a:r>
+            <a:r>
+              <a:rPr lang="en-US" sz="2400" b="1" dirty="0"/>
+              <a:t>DE</a:t>
+            </a:r>
+            <a:r>
+              <a:rPr lang="en-US" sz="2400" dirty="0"/>
+              <a:t> / </a:t>
+            </a:r>
+            <a:r>
+              <a:rPr lang="ru-RU" sz="2400" dirty="0"/>
               <a:t>редакторы кода.</a:t>
             </a:r>
           </a:p>
@@ -4251,6 +4383,264 @@
 </file>
 
 <file path=ppt/slides/slide13.xml><?xml version="1.0" encoding="utf-8"?>
+<p:sld xmlns:a="http://schemas.openxmlformats.org/drawingml/2006/main" xmlns:r="http://schemas.openxmlformats.org/officeDocument/2006/relationships" xmlns:p="http://schemas.openxmlformats.org/presentationml/2006/main">
+  <p:cSld>
+    <p:spTree>
+      <p:nvGrpSpPr>
+        <p:cNvPr id="1" name=""/>
+        <p:cNvGrpSpPr/>
+        <p:nvPr/>
+      </p:nvGrpSpPr>
+      <p:grpSpPr>
+        <a:xfrm>
+          <a:off x="0" y="0"/>
+          <a:ext cx="0" cy="0"/>
+          <a:chOff x="0" y="0"/>
+          <a:chExt cx="0" cy="0"/>
+        </a:xfrm>
+      </p:grpSpPr>
+      <p:sp>
+        <p:nvSpPr>
+          <p:cNvPr id="2" name="Заголовок 1">
+            <a:extLst>
+              <a:ext uri="{FF2B5EF4-FFF2-40B4-BE49-F238E27FC236}">
+                <a16:creationId xmlns:a16="http://schemas.microsoft.com/office/drawing/2014/main" id="{AA373697-D707-0EE7-BC40-EEC5FE07628A}"/>
+              </a:ext>
+            </a:extLst>
+          </p:cNvPr>
+          <p:cNvSpPr>
+            <a:spLocks noGrp="1"/>
+          </p:cNvSpPr>
+          <p:nvPr>
+            <p:ph type="title"/>
+          </p:nvPr>
+        </p:nvSpPr>
+        <p:spPr>
+          <a:xfrm>
+            <a:off x="838200" y="365125"/>
+            <a:ext cx="10515600" cy="854075"/>
+          </a:xfrm>
+        </p:spPr>
+        <p:txBody>
+          <a:bodyPr/>
+          <a:lstStyle/>
+          <a:p>
+            <a:r>
+              <a:rPr lang="ru-RU" dirty="0"/>
+              <a:t>Виды ошибок / предупреждений</a:t>
+            </a:r>
+          </a:p>
+        </p:txBody>
+      </p:sp>
+      <p:sp>
+        <p:nvSpPr>
+          <p:cNvPr id="3" name="Объект 2">
+            <a:extLst>
+              <a:ext uri="{FF2B5EF4-FFF2-40B4-BE49-F238E27FC236}">
+                <a16:creationId xmlns:a16="http://schemas.microsoft.com/office/drawing/2014/main" id="{51C03FC3-6414-BE06-6027-55DBF8ECD9DF}"/>
+              </a:ext>
+            </a:extLst>
+          </p:cNvPr>
+          <p:cNvSpPr>
+            <a:spLocks noGrp="1"/>
+          </p:cNvSpPr>
+          <p:nvPr>
+            <p:ph idx="1"/>
+          </p:nvPr>
+        </p:nvSpPr>
+        <p:spPr>
+          <a:xfrm>
+            <a:off x="838200" y="1317172"/>
+            <a:ext cx="10681355" cy="5118374"/>
+          </a:xfrm>
+        </p:spPr>
+        <p:txBody>
+          <a:bodyPr>
+            <a:normAutofit fontScale="77500" lnSpcReduction="20000"/>
+          </a:bodyPr>
+          <a:lstStyle/>
+          <a:p>
+            <a:pPr>
+              <a:lnSpc>
+                <a:spcPct val="100000"/>
+              </a:lnSpc>
+            </a:pPr>
+            <a:r>
+              <a:rPr lang="ru-RU" dirty="0"/>
+              <a:t>Ошибки синтаксиса языка программирования</a:t>
+            </a:r>
+          </a:p>
+          <a:p>
+            <a:pPr>
+              <a:lnSpc>
+                <a:spcPct val="100000"/>
+              </a:lnSpc>
+            </a:pPr>
+            <a:r>
+              <a:rPr lang="ru-RU" dirty="0"/>
+              <a:t>Ошибки стиля</a:t>
+            </a:r>
+          </a:p>
+          <a:p>
+            <a:pPr lvl="1">
+              <a:lnSpc>
+                <a:spcPct val="100000"/>
+              </a:lnSpc>
+            </a:pPr>
+            <a:r>
+              <a:rPr lang="ru-RU" dirty="0"/>
+              <a:t>неправильные отступы,</a:t>
+            </a:r>
+          </a:p>
+          <a:p>
+            <a:pPr lvl="1">
+              <a:lnSpc>
+                <a:spcPct val="100000"/>
+              </a:lnSpc>
+            </a:pPr>
+            <a:r>
+              <a:rPr lang="ru-RU" dirty="0"/>
+              <a:t>слишком длинные строки и т.п.</a:t>
+            </a:r>
+            <a:endParaRPr lang="en-US" dirty="0"/>
+          </a:p>
+          <a:p>
+            <a:pPr>
+              <a:lnSpc>
+                <a:spcPct val="100000"/>
+              </a:lnSpc>
+            </a:pPr>
+            <a:r>
+              <a:rPr lang="ru-RU" dirty="0"/>
+              <a:t>Ошибки в идентификаторах</a:t>
+            </a:r>
+          </a:p>
+          <a:p>
+            <a:pPr lvl="1">
+              <a:lnSpc>
+                <a:spcPct val="100000"/>
+              </a:lnSpc>
+            </a:pPr>
+            <a:r>
+              <a:rPr lang="ru-RU" dirty="0"/>
+              <a:t>опечатки при написании названий стандартных функций,</a:t>
+            </a:r>
+          </a:p>
+          <a:p>
+            <a:pPr lvl="1">
+              <a:lnSpc>
+                <a:spcPct val="100000"/>
+              </a:lnSpc>
+            </a:pPr>
+            <a:r>
+              <a:rPr lang="ru-RU" dirty="0"/>
+              <a:t>опечатки в именах переменных</a:t>
+            </a:r>
+          </a:p>
+          <a:p>
+            <a:pPr>
+              <a:lnSpc>
+                <a:spcPct val="100000"/>
+              </a:lnSpc>
+            </a:pPr>
+            <a:r>
+              <a:rPr lang="ru-RU" dirty="0"/>
+              <a:t>Неоптимальный код</a:t>
+            </a:r>
+          </a:p>
+          <a:p>
+            <a:pPr lvl="1">
+              <a:lnSpc>
+                <a:spcPct val="100000"/>
+              </a:lnSpc>
+            </a:pPr>
+            <a:r>
+              <a:rPr lang="ru-RU" dirty="0"/>
+              <a:t>неиспользуемые импорты,</a:t>
+            </a:r>
+          </a:p>
+          <a:p>
+            <a:pPr lvl="1">
+              <a:lnSpc>
+                <a:spcPct val="100000"/>
+              </a:lnSpc>
+            </a:pPr>
+            <a:r>
+              <a:rPr lang="ru-RU" dirty="0"/>
+              <a:t>дублирование кода</a:t>
+            </a:r>
+          </a:p>
+          <a:p>
+            <a:pPr>
+              <a:lnSpc>
+                <a:spcPct val="100000"/>
+              </a:lnSpc>
+            </a:pPr>
+            <a:r>
+              <a:rPr lang="ru-RU" dirty="0"/>
+              <a:t>Проблемы с безопасностью</a:t>
+            </a:r>
+          </a:p>
+          <a:p>
+            <a:pPr lvl="1">
+              <a:lnSpc>
+                <a:spcPct val="100000"/>
+              </a:lnSpc>
+            </a:pPr>
+            <a:r>
+              <a:rPr lang="ru-RU" dirty="0"/>
+              <a:t>оставленные в коде пароли,</a:t>
+            </a:r>
+          </a:p>
+          <a:p>
+            <a:pPr>
+              <a:lnSpc>
+                <a:spcPct val="100000"/>
+              </a:lnSpc>
+            </a:pPr>
+            <a:r>
+              <a:rPr lang="ru-RU" dirty="0"/>
+              <a:t>Сопровождабельность кода</a:t>
+            </a:r>
+          </a:p>
+          <a:p>
+            <a:pPr lvl="1">
+              <a:lnSpc>
+                <a:spcPct val="100000"/>
+              </a:lnSpc>
+            </a:pPr>
+            <a:r>
+              <a:rPr lang="ru-RU" dirty="0"/>
+              <a:t>высокая цикломатическая сложность,</a:t>
+            </a:r>
+          </a:p>
+          <a:p>
+            <a:pPr lvl="1">
+              <a:lnSpc>
+                <a:spcPct val="100000"/>
+              </a:lnSpc>
+            </a:pPr>
+            <a:r>
+              <a:rPr lang="ru-RU" dirty="0"/>
+              <a:t>отсутствие документации.</a:t>
+            </a:r>
+          </a:p>
+        </p:txBody>
+      </p:sp>
+    </p:spTree>
+    <p:extLst>
+      <p:ext uri="{BB962C8B-B14F-4D97-AF65-F5344CB8AC3E}">
+        <p14:creationId xmlns:p14="http://schemas.microsoft.com/office/powerpoint/2010/main" val="2052771405"/>
+      </p:ext>
+    </p:extLst>
+  </p:cSld>
+  <p:clrMapOvr>
+    <a:masterClrMapping/>
+  </p:clrMapOvr>
+</p:sld>
+</file>
+
+<file path=ppt/slides/slide14.xml><?xml version="1.0" encoding="utf-8"?>
 <p:sld xmlns:a="http://schemas.openxmlformats.org/drawingml/2006/main" xmlns:r="http://schemas.openxmlformats.org/officeDocument/2006/relationships" xmlns:p="http://schemas.openxmlformats.org/presentationml/2006/main">
   <p:cSld>
     <p:spTree>
@@ -4524,226 +4914,6 @@
     <p:extLst>
       <p:ext uri="{BB962C8B-B14F-4D97-AF65-F5344CB8AC3E}">
         <p14:creationId xmlns:p14="http://schemas.microsoft.com/office/powerpoint/2010/main" val="1016199183"/>
-      </p:ext>
-    </p:extLst>
-  </p:cSld>
-  <p:clrMapOvr>
-    <a:masterClrMapping/>
-  </p:clrMapOvr>
-</p:sld>
-</file>
-
-<file path=ppt/slides/slide14.xml><?xml version="1.0" encoding="utf-8"?>
-<p:sld xmlns:a="http://schemas.openxmlformats.org/drawingml/2006/main" xmlns:r="http://schemas.openxmlformats.org/officeDocument/2006/relationships" xmlns:p="http://schemas.openxmlformats.org/presentationml/2006/main">
-  <p:cSld>
-    <p:spTree>
-      <p:nvGrpSpPr>
-        <p:cNvPr id="1" name=""/>
-        <p:cNvGrpSpPr/>
-        <p:nvPr/>
-      </p:nvGrpSpPr>
-      <p:grpSpPr>
-        <a:xfrm>
-          <a:off x="0" y="0"/>
-          <a:ext cx="0" cy="0"/>
-          <a:chOff x="0" y="0"/>
-          <a:chExt cx="0" cy="0"/>
-        </a:xfrm>
-      </p:grpSpPr>
-      <p:sp>
-        <p:nvSpPr>
-          <p:cNvPr id="2" name="Заголовок 1">
-            <a:extLst>
-              <a:ext uri="{FF2B5EF4-FFF2-40B4-BE49-F238E27FC236}">
-                <a16:creationId xmlns:a16="http://schemas.microsoft.com/office/drawing/2014/main" id="{AA373697-D707-0EE7-BC40-EEC5FE07628A}"/>
-              </a:ext>
-            </a:extLst>
-          </p:cNvPr>
-          <p:cNvSpPr>
-            <a:spLocks noGrp="1"/>
-          </p:cNvSpPr>
-          <p:nvPr>
-            <p:ph type="title"/>
-          </p:nvPr>
-        </p:nvSpPr>
-        <p:spPr/>
-        <p:txBody>
-          <a:bodyPr/>
-          <a:lstStyle/>
-          <a:p>
-            <a:r>
-              <a:rPr lang="ru-RU" dirty="0"/>
-              <a:t>Виды ошибок / предупреждений</a:t>
-            </a:r>
-          </a:p>
-        </p:txBody>
-      </p:sp>
-      <p:sp>
-        <p:nvSpPr>
-          <p:cNvPr id="3" name="Объект 2">
-            <a:extLst>
-              <a:ext uri="{FF2B5EF4-FFF2-40B4-BE49-F238E27FC236}">
-                <a16:creationId xmlns:a16="http://schemas.microsoft.com/office/drawing/2014/main" id="{51C03FC3-6414-BE06-6027-55DBF8ECD9DF}"/>
-              </a:ext>
-            </a:extLst>
-          </p:cNvPr>
-          <p:cNvSpPr>
-            <a:spLocks noGrp="1"/>
-          </p:cNvSpPr>
-          <p:nvPr>
-            <p:ph idx="1"/>
-          </p:nvPr>
-        </p:nvSpPr>
-        <p:spPr>
-          <a:xfrm>
-            <a:off x="838200" y="1690688"/>
-            <a:ext cx="10681355" cy="4744857"/>
-          </a:xfrm>
-        </p:spPr>
-        <p:txBody>
-          <a:bodyPr>
-            <a:normAutofit fontScale="92500" lnSpcReduction="20000"/>
-          </a:bodyPr>
-          <a:lstStyle/>
-          <a:p>
-            <a:pPr>
-              <a:lnSpc>
-                <a:spcPct val="100000"/>
-              </a:lnSpc>
-            </a:pPr>
-            <a:r>
-              <a:rPr lang="ru-RU" dirty="0"/>
-              <a:t>Ошибки синтаксиса языка программирования</a:t>
-            </a:r>
-          </a:p>
-          <a:p>
-            <a:pPr>
-              <a:lnSpc>
-                <a:spcPct val="100000"/>
-              </a:lnSpc>
-            </a:pPr>
-            <a:r>
-              <a:rPr lang="ru-RU" dirty="0"/>
-              <a:t>Ошибки стиля</a:t>
-            </a:r>
-          </a:p>
-          <a:p>
-            <a:pPr lvl="1">
-              <a:lnSpc>
-                <a:spcPct val="100000"/>
-              </a:lnSpc>
-            </a:pPr>
-            <a:r>
-              <a:rPr lang="ru-RU" dirty="0"/>
-              <a:t>неправильные отступы,</a:t>
-            </a:r>
-          </a:p>
-          <a:p>
-            <a:pPr lvl="1">
-              <a:lnSpc>
-                <a:spcPct val="100000"/>
-              </a:lnSpc>
-            </a:pPr>
-            <a:r>
-              <a:rPr lang="ru-RU" dirty="0"/>
-              <a:t>слишком длинные строки и т.п.</a:t>
-            </a:r>
-            <a:endParaRPr lang="en-US" dirty="0"/>
-          </a:p>
-          <a:p>
-            <a:pPr>
-              <a:lnSpc>
-                <a:spcPct val="100000"/>
-              </a:lnSpc>
-            </a:pPr>
-            <a:r>
-              <a:rPr lang="ru-RU" dirty="0"/>
-              <a:t>Ошибки в логике программы</a:t>
-            </a:r>
-          </a:p>
-          <a:p>
-            <a:pPr lvl="1">
-              <a:lnSpc>
-                <a:spcPct val="100000"/>
-              </a:lnSpc>
-            </a:pPr>
-            <a:r>
-              <a:rPr lang="ru-RU" dirty="0"/>
-              <a:t>опечатки при написании названий стандартных функций,</a:t>
-            </a:r>
-          </a:p>
-          <a:p>
-            <a:pPr>
-              <a:lnSpc>
-                <a:spcPct val="100000"/>
-              </a:lnSpc>
-            </a:pPr>
-            <a:r>
-              <a:rPr lang="ru-RU" dirty="0"/>
-              <a:t>Неоптимальный код</a:t>
-            </a:r>
-          </a:p>
-          <a:p>
-            <a:pPr lvl="1">
-              <a:lnSpc>
-                <a:spcPct val="100000"/>
-              </a:lnSpc>
-            </a:pPr>
-            <a:r>
-              <a:rPr lang="ru-RU" dirty="0"/>
-              <a:t>неиспользуемые импорты,</a:t>
-            </a:r>
-          </a:p>
-          <a:p>
-            <a:pPr lvl="1">
-              <a:lnSpc>
-                <a:spcPct val="100000"/>
-              </a:lnSpc>
-            </a:pPr>
-            <a:r>
-              <a:rPr lang="ru-RU" dirty="0"/>
-              <a:t>дублирование кода</a:t>
-            </a:r>
-          </a:p>
-          <a:p>
-            <a:pPr>
-              <a:lnSpc>
-                <a:spcPct val="100000"/>
-              </a:lnSpc>
-            </a:pPr>
-            <a:r>
-              <a:rPr lang="ru-RU" dirty="0"/>
-              <a:t>Другие виды ошибок</a:t>
-            </a:r>
-          </a:p>
-          <a:p>
-            <a:pPr lvl="1">
-              <a:lnSpc>
-                <a:spcPct val="100000"/>
-              </a:lnSpc>
-            </a:pPr>
-            <a:r>
-              <a:rPr lang="ru-RU" dirty="0"/>
-              <a:t>оставленные в коде пароли,</a:t>
-            </a:r>
-          </a:p>
-          <a:p>
-            <a:pPr lvl="1">
-              <a:lnSpc>
-                <a:spcPct val="100000"/>
-              </a:lnSpc>
-            </a:pPr>
-            <a:r>
-              <a:rPr lang="ru-RU" dirty="0"/>
-              <a:t>высокая цикломатическая сложность.</a:t>
-            </a:r>
-          </a:p>
-        </p:txBody>
-      </p:sp>
-    </p:spTree>
-    <p:extLst>
-      <p:ext uri="{BB962C8B-B14F-4D97-AF65-F5344CB8AC3E}">
-        <p14:creationId xmlns:p14="http://schemas.microsoft.com/office/powerpoint/2010/main" val="2052771405"/>
       </p:ext>
     </p:extLst>
   </p:cSld>
@@ -7903,12 +8073,73 @@
             <a:r>
               <a:rPr lang="en" sz="1400" noProof="1">
                 <a:solidFill>
+                  <a:srgbClr val="00B0F0"/>
+                </a:solidFill>
+                <a:effectLst/>
+                <a:latin typeface="Consolas" panose="020B0609020204030204" pitchFamily="49" charset="0"/>
+                <a:cs typeface="Consolas" panose="020B0609020204030204" pitchFamily="49" charset="0"/>
+              </a:rPr>
+              <a:t>def Function(num,num_two):</a:t>
+            </a:r>
+          </a:p>
+          <a:p>
+            <a:r>
+              <a:rPr lang="en" sz="1400" noProof="1">
+                <a:solidFill>
+                  <a:srgbClr val="00B0F0"/>
+                </a:solidFill>
+                <a:effectLst/>
+                <a:latin typeface="Consolas" panose="020B0609020204030204" pitchFamily="49" charset="0"/>
+                <a:cs typeface="Consolas" panose="020B0609020204030204" pitchFamily="49" charset="0"/>
+              </a:rPr>
+              <a:t>^</a:t>
+            </a:r>
+          </a:p>
+          <a:p>
+            <a:r>
+              <a:rPr lang="en" sz="1400" noProof="1">
+                <a:solidFill>
                   <a:srgbClr val="2FFF12"/>
                 </a:solidFill>
                 <a:effectLst/>
                 <a:latin typeface="Consolas" panose="020B0609020204030204" pitchFamily="49" charset="0"/>
                 <a:cs typeface="Consolas" panose="020B0609020204030204" pitchFamily="49" charset="0"/>
               </a:rPr>
+              <a:t>bad-example.py:4:17: </a:t>
+            </a:r>
+            <a:r>
+              <a:rPr lang="en" sz="1400" noProof="1">
+                <a:solidFill>
+                  <a:schemeClr val="bg1"/>
+                </a:solidFill>
+                <a:effectLst/>
+                <a:latin typeface="Consolas" panose="020B0609020204030204" pitchFamily="49" charset="0"/>
+                <a:cs typeface="Consolas" panose="020B0609020204030204" pitchFamily="49" charset="0"/>
+              </a:rPr>
+              <a:t>E231</a:t>
+            </a:r>
+            <a:r>
+              <a:rPr lang="en" sz="1400" noProof="1">
+                <a:solidFill>
+                  <a:srgbClr val="2FFF12"/>
+                </a:solidFill>
+                <a:effectLst/>
+                <a:latin typeface="Consolas" panose="020B0609020204030204" pitchFamily="49" charset="0"/>
+                <a:cs typeface="Consolas" panose="020B0609020204030204" pitchFamily="49" charset="0"/>
+              </a:rPr>
+              <a:t> missing whitespace after ','</a:t>
+            </a:r>
+          </a:p>
+          <a:p>
+            <a:r>
+              <a:rPr lang="en" sz="1400" noProof="1">
+                <a:solidFill>
+                  <a:srgbClr val="00B0F0"/>
+                </a:solidFill>
+                <a:effectLst/>
+                <a:latin typeface="Consolas" panose="020B0609020204030204" pitchFamily="49" charset="0"/>
+                <a:cs typeface="Consolas" panose="020B0609020204030204" pitchFamily="49" charset="0"/>
+              </a:rPr>
               <a:t>def Function(num,num_two):</a:t>
             </a:r>
           </a:p>
@@ -7916,12 +8147,106 @@
             <a:r>
               <a:rPr lang="en" sz="1400" noProof="1">
                 <a:solidFill>
+                  <a:srgbClr val="00B0F0"/>
+                </a:solidFill>
+                <a:effectLst/>
+                <a:latin typeface="Consolas" panose="020B0609020204030204" pitchFamily="49" charset="0"/>
+                <a:cs typeface="Consolas" panose="020B0609020204030204" pitchFamily="49" charset="0"/>
+              </a:rPr>
+              <a:t>                ^</a:t>
+            </a:r>
+          </a:p>
+          <a:p>
+            <a:r>
+              <a:rPr lang="en" sz="1400" noProof="1">
+                <a:solidFill>
                   <a:srgbClr val="2FFF12"/>
                 </a:solidFill>
                 <a:effectLst/>
                 <a:latin typeface="Consolas" panose="020B0609020204030204" pitchFamily="49" charset="0"/>
                 <a:cs typeface="Consolas" panose="020B0609020204030204" pitchFamily="49" charset="0"/>
               </a:rPr>
+              <a:t>bad-example.py:7:1: </a:t>
+            </a:r>
+            <a:r>
+              <a:rPr lang="en" sz="1400" noProof="1">
+                <a:solidFill>
+                  <a:schemeClr val="bg1"/>
+                </a:solidFill>
+                <a:effectLst/>
+                <a:latin typeface="Consolas" panose="020B0609020204030204" pitchFamily="49" charset="0"/>
+                <a:cs typeface="Consolas" panose="020B0609020204030204" pitchFamily="49" charset="0"/>
+              </a:rPr>
+              <a:t>E302</a:t>
+            </a:r>
+            <a:r>
+              <a:rPr lang="en" sz="1400" noProof="1">
+                <a:solidFill>
+                  <a:srgbClr val="2FFF12"/>
+                </a:solidFill>
+                <a:effectLst/>
+                <a:latin typeface="Consolas" panose="020B0609020204030204" pitchFamily="49" charset="0"/>
+                <a:cs typeface="Consolas" panose="020B0609020204030204" pitchFamily="49" charset="0"/>
+              </a:rPr>
+              <a:t> expected </a:t>
+            </a:r>
+            <a:r>
+              <a:rPr lang="en" sz="1400" noProof="1">
+                <a:solidFill>
+                  <a:srgbClr val="FFFFFF"/>
+                </a:solidFill>
+                <a:effectLst/>
+                <a:latin typeface="Consolas" panose="020B0609020204030204" pitchFamily="49" charset="0"/>
+                <a:cs typeface="Consolas" panose="020B0609020204030204" pitchFamily="49" charset="0"/>
+              </a:rPr>
+              <a:t>2 </a:t>
+            </a:r>
+            <a:r>
+              <a:rPr lang="en" sz="1400" noProof="1">
+                <a:solidFill>
+                  <a:srgbClr val="2FFF12"/>
+                </a:solidFill>
+                <a:effectLst/>
+                <a:latin typeface="Consolas" panose="020B0609020204030204" pitchFamily="49" charset="0"/>
+                <a:cs typeface="Consolas" panose="020B0609020204030204" pitchFamily="49" charset="0"/>
+              </a:rPr>
+              <a:t>blank lines, found </a:t>
+            </a:r>
+            <a:r>
+              <a:rPr lang="en" sz="1400" noProof="1">
+                <a:solidFill>
+                  <a:srgbClr val="FFFFFF"/>
+                </a:solidFill>
+                <a:effectLst/>
+                <a:latin typeface="Consolas" panose="020B0609020204030204" pitchFamily="49" charset="0"/>
+                <a:cs typeface="Consolas" panose="020B0609020204030204" pitchFamily="49" charset="0"/>
+              </a:rPr>
+              <a:t>1</a:t>
+            </a:r>
+          </a:p>
+          <a:p>
+            <a:r>
+              <a:rPr lang="en" sz="1400" noProof="1">
+                <a:solidFill>
+                  <a:srgbClr val="00B0F0"/>
+                </a:solidFill>
+                <a:effectLst/>
+                <a:latin typeface="Consolas" panose="020B0609020204030204" pitchFamily="49" charset="0"/>
+                <a:cs typeface="Consolas" panose="020B0609020204030204" pitchFamily="49" charset="0"/>
+              </a:rPr>
+              <a:t>class MyClass:</a:t>
+            </a:r>
+          </a:p>
+          <a:p>
+            <a:r>
+              <a:rPr lang="en" sz="1400" noProof="1">
+                <a:solidFill>
+                  <a:srgbClr val="00B0F0"/>
+                </a:solidFill>
+                <a:effectLst/>
+                <a:latin typeface="Consolas" panose="020B0609020204030204" pitchFamily="49" charset="0"/>
+                <a:cs typeface="Consolas" panose="020B0609020204030204" pitchFamily="49" charset="0"/>
+              </a:rPr>
               <a:t>^</a:t>
             </a:r>
           </a:p>
@@ -7935,7 +8260,7 @@
                 <a:latin typeface="Consolas" panose="020B0609020204030204" pitchFamily="49" charset="0"/>
                 <a:cs typeface="Consolas" panose="020B0609020204030204" pitchFamily="49" charset="0"/>
               </a:rPr>
-              <a:t>bad-example.py:4:17: </a:t>
+              <a:t>bad-example.py:10:1: </a:t>
             </a:r>
             <a:r>
               <a:rPr lang="en" sz="1400" noProof="1">
@@ -7946,6 +8271,100 @@
                 <a:latin typeface="Consolas" panose="020B0609020204030204" pitchFamily="49" charset="0"/>
                 <a:cs typeface="Consolas" panose="020B0609020204030204" pitchFamily="49" charset="0"/>
               </a:rPr>
+              <a:t>E302</a:t>
+            </a:r>
+            <a:r>
+              <a:rPr lang="en" sz="1400" noProof="1">
+                <a:solidFill>
+                  <a:srgbClr val="2FFF12"/>
+                </a:solidFill>
+                <a:effectLst/>
+                <a:latin typeface="Consolas" panose="020B0609020204030204" pitchFamily="49" charset="0"/>
+                <a:cs typeface="Consolas" panose="020B0609020204030204" pitchFamily="49" charset="0"/>
+              </a:rPr>
+              <a:t> expected </a:t>
+            </a:r>
+            <a:r>
+              <a:rPr lang="en" sz="1400" noProof="1">
+                <a:solidFill>
+                  <a:srgbClr val="FFFFFF"/>
+                </a:solidFill>
+                <a:effectLst/>
+                <a:latin typeface="Consolas" panose="020B0609020204030204" pitchFamily="49" charset="0"/>
+                <a:cs typeface="Consolas" panose="020B0609020204030204" pitchFamily="49" charset="0"/>
+              </a:rPr>
+              <a:t>2 </a:t>
+            </a:r>
+            <a:r>
+              <a:rPr lang="en" sz="1400" noProof="1">
+                <a:solidFill>
+                  <a:srgbClr val="2FFF12"/>
+                </a:solidFill>
+                <a:effectLst/>
+                <a:latin typeface="Consolas" panose="020B0609020204030204" pitchFamily="49" charset="0"/>
+                <a:cs typeface="Consolas" panose="020B0609020204030204" pitchFamily="49" charset="0"/>
+              </a:rPr>
+              <a:t>blank lines, found </a:t>
+            </a:r>
+            <a:r>
+              <a:rPr lang="en" sz="1400" noProof="1">
+                <a:solidFill>
+                  <a:srgbClr val="FFFFFF"/>
+                </a:solidFill>
+                <a:effectLst/>
+                <a:latin typeface="Consolas" panose="020B0609020204030204" pitchFamily="49" charset="0"/>
+                <a:cs typeface="Consolas" panose="020B0609020204030204" pitchFamily="49" charset="0"/>
+              </a:rPr>
+              <a:t>1</a:t>
+            </a:r>
+          </a:p>
+          <a:p>
+            <a:r>
+              <a:rPr lang="en" sz="1400" noProof="1">
+                <a:solidFill>
+                  <a:srgbClr val="00B0F0"/>
+                </a:solidFill>
+                <a:effectLst/>
+                <a:latin typeface="Consolas" panose="020B0609020204030204" pitchFamily="49" charset="0"/>
+                <a:cs typeface="Consolas" panose="020B0609020204030204" pitchFamily="49" charset="0"/>
+              </a:rPr>
+              <a:t>def __init__(self,var):</a:t>
+            </a:r>
+          </a:p>
+          <a:p>
+            <a:r>
+              <a:rPr lang="en" sz="1400" noProof="1">
+                <a:solidFill>
+                  <a:srgbClr val="00B0F0"/>
+                </a:solidFill>
+                <a:effectLst/>
+                <a:latin typeface="Consolas" panose="020B0609020204030204" pitchFamily="49" charset="0"/>
+                <a:cs typeface="Consolas" panose="020B0609020204030204" pitchFamily="49" charset="0"/>
+              </a:rPr>
+              <a:t>^</a:t>
+            </a:r>
+          </a:p>
+          <a:p>
+            <a:r>
+              <a:rPr lang="en" sz="1400" noProof="1">
+                <a:solidFill>
+                  <a:srgbClr val="2FFF12"/>
+                </a:solidFill>
+                <a:effectLst/>
+                <a:latin typeface="Consolas" panose="020B0609020204030204" pitchFamily="49" charset="0"/>
+                <a:cs typeface="Consolas" panose="020B0609020204030204" pitchFamily="49" charset="0"/>
+              </a:rPr>
+              <a:t>bad-example.py:10:18: </a:t>
+            </a:r>
+            <a:r>
+              <a:rPr lang="en" sz="1400" noProof="1">
+                <a:solidFill>
+                  <a:schemeClr val="bg1"/>
+                </a:solidFill>
+                <a:effectLst/>
+                <a:latin typeface="Consolas" panose="020B0609020204030204" pitchFamily="49" charset="0"/>
+                <a:cs typeface="Consolas" panose="020B0609020204030204" pitchFamily="49" charset="0"/>
+              </a:rPr>
               <a:t>E231</a:t>
             </a:r>
             <a:r>
@@ -7964,39 +8383,100 @@
             <a:r>
               <a:rPr lang="en" sz="1400" noProof="1">
                 <a:solidFill>
+                  <a:srgbClr val="00B0F0"/>
+                </a:solidFill>
+                <a:effectLst/>
+                <a:latin typeface="Consolas" panose="020B0609020204030204" pitchFamily="49" charset="0"/>
+                <a:cs typeface="Consolas" panose="020B0609020204030204" pitchFamily="49" charset="0"/>
+              </a:rPr>
+              <a:t>def __init__(self,var):</a:t>
+            </a:r>
+          </a:p>
+          <a:p>
+            <a:r>
+              <a:rPr lang="en" sz="1400" noProof="1">
+                <a:solidFill>
+                  <a:srgbClr val="00B0F0"/>
+                </a:solidFill>
+                <a:effectLst/>
+                <a:latin typeface="Consolas" panose="020B0609020204030204" pitchFamily="49" charset="0"/>
+                <a:cs typeface="Consolas" panose="020B0609020204030204" pitchFamily="49" charset="0"/>
+              </a:rPr>
+              <a:t>                 ^</a:t>
+            </a:r>
+          </a:p>
+          <a:p>
+            <a:r>
+              <a:rPr lang="en" sz="1400" noProof="1">
+                <a:solidFill>
                   <a:srgbClr val="2FFF12"/>
                 </a:solidFill>
                 <a:effectLst/>
                 <a:latin typeface="Consolas" panose="020B0609020204030204" pitchFamily="49" charset="0"/>
                 <a:cs typeface="Consolas" panose="020B0609020204030204" pitchFamily="49" charset="0"/>
               </a:rPr>
-              <a:t>def Function(num,num_two):</a:t>
-            </a:r>
-          </a:p>
-          <a:p>
+              <a:t>bad-example.py:11:13: </a:t>
+            </a:r>
             <a:r>
               <a:rPr lang="en" sz="1400" noProof="1">
                 <a:solidFill>
+                  <a:schemeClr val="bg1"/>
+                </a:solidFill>
+                <a:effectLst/>
+                <a:latin typeface="Consolas" panose="020B0609020204030204" pitchFamily="49" charset="0"/>
+                <a:cs typeface="Consolas" panose="020B0609020204030204" pitchFamily="49" charset="0"/>
+              </a:rPr>
+              <a:t>E225</a:t>
+            </a:r>
+            <a:r>
+              <a:rPr lang="en" sz="1400" noProof="1">
+                <a:solidFill>
                   <a:srgbClr val="2FFF12"/>
                 </a:solidFill>
                 <a:effectLst/>
                 <a:latin typeface="Consolas" panose="020B0609020204030204" pitchFamily="49" charset="0"/>
                 <a:cs typeface="Consolas" panose="020B0609020204030204" pitchFamily="49" charset="0"/>
               </a:rPr>
-              <a:t>                ^</a:t>
+              <a:t> missing whitespace around operator</a:t>
             </a:r>
           </a:p>
           <a:p>
             <a:r>
               <a:rPr lang="en" sz="1400" noProof="1">
                 <a:solidFill>
+                  <a:srgbClr val="00B0F0"/>
+                </a:solidFill>
+                <a:effectLst/>
+                <a:latin typeface="Consolas" panose="020B0609020204030204" pitchFamily="49" charset="0"/>
+                <a:cs typeface="Consolas" panose="020B0609020204030204" pitchFamily="49" charset="0"/>
+              </a:rPr>
+              <a:t>    self.var=var</a:t>
+            </a:r>
+          </a:p>
+          <a:p>
+            <a:r>
+              <a:rPr lang="en" sz="1400" noProof="1">
+                <a:solidFill>
+                  <a:srgbClr val="00B0F0"/>
+                </a:solidFill>
+                <a:effectLst/>
+                <a:latin typeface="Consolas" panose="020B0609020204030204" pitchFamily="49" charset="0"/>
+                <a:cs typeface="Consolas" panose="020B0609020204030204" pitchFamily="49" charset="0"/>
+              </a:rPr>
+              <a:t>            ^</a:t>
+            </a:r>
+          </a:p>
+          <a:p>
+            <a:r>
+              <a:rPr lang="en" sz="1400" noProof="1">
+                <a:solidFill>
                   <a:srgbClr val="2FFF12"/>
                 </a:solidFill>
                 <a:effectLst/>
                 <a:latin typeface="Consolas" panose="020B0609020204030204" pitchFamily="49" charset="0"/>
                 <a:cs typeface="Consolas" panose="020B0609020204030204" pitchFamily="49" charset="0"/>
               </a:rPr>
-              <a:t>bad-example.py:7:1: </a:t>
+              <a:t>bad-example.py:13:1: </a:t>
             </a:r>
             <a:r>
               <a:rPr lang="en" sz="1400" noProof="1">
@@ -8058,330 +8538,20 @@
             <a:r>
               <a:rPr lang="en" sz="1400" noProof="1">
                 <a:solidFill>
-                  <a:srgbClr val="2FFF12"/>
-                </a:solidFill>
-                <a:effectLst/>
-                <a:latin typeface="Consolas" panose="020B0609020204030204" pitchFamily="49" charset="0"/>
-                <a:cs typeface="Consolas" panose="020B0609020204030204" pitchFamily="49" charset="0"/>
-              </a:rPr>
-              <a:t>class MyClass:</a:t>
+                  <a:srgbClr val="00B0F0"/>
+                </a:solidFill>
+                <a:effectLst/>
+                <a:latin typeface="Consolas" panose="020B0609020204030204" pitchFamily="49" charset="0"/>
+                <a:cs typeface="Consolas" panose="020B0609020204030204" pitchFamily="49" charset="0"/>
+              </a:rPr>
+              <a:t>def out(var):</a:t>
             </a:r>
           </a:p>
           <a:p>
             <a:r>
               <a:rPr lang="en" sz="1400" noProof="1">
                 <a:solidFill>
-                  <a:srgbClr val="2FFF12"/>
-                </a:solidFill>
-                <a:effectLst/>
-                <a:latin typeface="Consolas" panose="020B0609020204030204" pitchFamily="49" charset="0"/>
-                <a:cs typeface="Consolas" panose="020B0609020204030204" pitchFamily="49" charset="0"/>
-              </a:rPr>
-              <a:t>^</a:t>
-            </a:r>
-          </a:p>
-          <a:p>
-            <a:r>
-              <a:rPr lang="en" sz="1400" noProof="1">
-                <a:solidFill>
-                  <a:srgbClr val="2FFF12"/>
-                </a:solidFill>
-                <a:effectLst/>
-                <a:latin typeface="Consolas" panose="020B0609020204030204" pitchFamily="49" charset="0"/>
-                <a:cs typeface="Consolas" panose="020B0609020204030204" pitchFamily="49" charset="0"/>
-              </a:rPr>
-              <a:t>bad-example.py:10:1: </a:t>
-            </a:r>
-            <a:r>
-              <a:rPr lang="en" sz="1400" noProof="1">
-                <a:solidFill>
-                  <a:schemeClr val="bg1"/>
-                </a:solidFill>
-                <a:effectLst/>
-                <a:latin typeface="Consolas" panose="020B0609020204030204" pitchFamily="49" charset="0"/>
-                <a:cs typeface="Consolas" panose="020B0609020204030204" pitchFamily="49" charset="0"/>
-              </a:rPr>
-              <a:t>E302</a:t>
-            </a:r>
-            <a:r>
-              <a:rPr lang="en" sz="1400" noProof="1">
-                <a:solidFill>
-                  <a:srgbClr val="2FFF12"/>
-                </a:solidFill>
-                <a:effectLst/>
-                <a:latin typeface="Consolas" panose="020B0609020204030204" pitchFamily="49" charset="0"/>
-                <a:cs typeface="Consolas" panose="020B0609020204030204" pitchFamily="49" charset="0"/>
-              </a:rPr>
-              <a:t> expected </a:t>
-            </a:r>
-            <a:r>
-              <a:rPr lang="en" sz="1400" noProof="1">
-                <a:solidFill>
-                  <a:srgbClr val="FFFFFF"/>
-                </a:solidFill>
-                <a:effectLst/>
-                <a:latin typeface="Consolas" panose="020B0609020204030204" pitchFamily="49" charset="0"/>
-                <a:cs typeface="Consolas" panose="020B0609020204030204" pitchFamily="49" charset="0"/>
-              </a:rPr>
-              <a:t>2 </a:t>
-            </a:r>
-            <a:r>
-              <a:rPr lang="en" sz="1400" noProof="1">
-                <a:solidFill>
-                  <a:srgbClr val="2FFF12"/>
-                </a:solidFill>
-                <a:effectLst/>
-                <a:latin typeface="Consolas" panose="020B0609020204030204" pitchFamily="49" charset="0"/>
-                <a:cs typeface="Consolas" panose="020B0609020204030204" pitchFamily="49" charset="0"/>
-              </a:rPr>
-              <a:t>blank lines, found </a:t>
-            </a:r>
-            <a:r>
-              <a:rPr lang="en" sz="1400" noProof="1">
-                <a:solidFill>
-                  <a:srgbClr val="FFFFFF"/>
-                </a:solidFill>
-                <a:effectLst/>
-                <a:latin typeface="Consolas" panose="020B0609020204030204" pitchFamily="49" charset="0"/>
-                <a:cs typeface="Consolas" panose="020B0609020204030204" pitchFamily="49" charset="0"/>
-              </a:rPr>
-              <a:t>1</a:t>
-            </a:r>
-          </a:p>
-          <a:p>
-            <a:r>
-              <a:rPr lang="en" sz="1400" noProof="1">
-                <a:solidFill>
-                  <a:srgbClr val="2FFF12"/>
-                </a:solidFill>
-                <a:effectLst/>
-                <a:latin typeface="Consolas" panose="020B0609020204030204" pitchFamily="49" charset="0"/>
-                <a:cs typeface="Consolas" panose="020B0609020204030204" pitchFamily="49" charset="0"/>
-              </a:rPr>
-              <a:t>def __init__(self,var):</a:t>
-            </a:r>
-          </a:p>
-          <a:p>
-            <a:r>
-              <a:rPr lang="en" sz="1400" noProof="1">
-                <a:solidFill>
-                  <a:srgbClr val="2FFF12"/>
-                </a:solidFill>
-                <a:effectLst/>
-                <a:latin typeface="Consolas" panose="020B0609020204030204" pitchFamily="49" charset="0"/>
-                <a:cs typeface="Consolas" panose="020B0609020204030204" pitchFamily="49" charset="0"/>
-              </a:rPr>
-              <a:t>^</a:t>
-            </a:r>
-          </a:p>
-          <a:p>
-            <a:r>
-              <a:rPr lang="en" sz="1400" noProof="1">
-                <a:solidFill>
-                  <a:srgbClr val="2FFF12"/>
-                </a:solidFill>
-                <a:effectLst/>
-                <a:latin typeface="Consolas" panose="020B0609020204030204" pitchFamily="49" charset="0"/>
-                <a:cs typeface="Consolas" panose="020B0609020204030204" pitchFamily="49" charset="0"/>
-              </a:rPr>
-              <a:t>bad-example.py:10:18: </a:t>
-            </a:r>
-            <a:r>
-              <a:rPr lang="en" sz="1400" noProof="1">
-                <a:solidFill>
-                  <a:schemeClr val="bg1"/>
-                </a:solidFill>
-                <a:effectLst/>
-                <a:latin typeface="Consolas" panose="020B0609020204030204" pitchFamily="49" charset="0"/>
-                <a:cs typeface="Consolas" panose="020B0609020204030204" pitchFamily="49" charset="0"/>
-              </a:rPr>
-              <a:t>E231</a:t>
-            </a:r>
-            <a:r>
-              <a:rPr lang="en" sz="1400" noProof="1">
-                <a:solidFill>
-                  <a:srgbClr val="2FFF12"/>
-                </a:solidFill>
-                <a:effectLst/>
-                <a:latin typeface="Consolas" panose="020B0609020204030204" pitchFamily="49" charset="0"/>
-                <a:cs typeface="Consolas" panose="020B0609020204030204" pitchFamily="49" charset="0"/>
-              </a:rPr>
-              <a:t> missing whitespace after ','</a:t>
-            </a:r>
-          </a:p>
-          <a:p>
-            <a:r>
-              <a:rPr lang="en" sz="1400" noProof="1">
-                <a:solidFill>
-                  <a:srgbClr val="2FFF12"/>
-                </a:solidFill>
-                <a:effectLst/>
-                <a:latin typeface="Consolas" panose="020B0609020204030204" pitchFamily="49" charset="0"/>
-                <a:cs typeface="Consolas" panose="020B0609020204030204" pitchFamily="49" charset="0"/>
-              </a:rPr>
-              <a:t>def __init__(self,var):</a:t>
-            </a:r>
-          </a:p>
-          <a:p>
-            <a:r>
-              <a:rPr lang="en" sz="1400" noProof="1">
-                <a:solidFill>
-                  <a:srgbClr val="2FFF12"/>
-                </a:solidFill>
-                <a:effectLst/>
-                <a:latin typeface="Consolas" panose="020B0609020204030204" pitchFamily="49" charset="0"/>
-                <a:cs typeface="Consolas" panose="020B0609020204030204" pitchFamily="49" charset="0"/>
-              </a:rPr>
-              <a:t>                 ^</a:t>
-            </a:r>
-          </a:p>
-          <a:p>
-            <a:r>
-              <a:rPr lang="en" sz="1400" noProof="1">
-                <a:solidFill>
-                  <a:srgbClr val="2FFF12"/>
-                </a:solidFill>
-                <a:effectLst/>
-                <a:latin typeface="Consolas" panose="020B0609020204030204" pitchFamily="49" charset="0"/>
-                <a:cs typeface="Consolas" panose="020B0609020204030204" pitchFamily="49" charset="0"/>
-              </a:rPr>
-              <a:t>bad-example.py:11:13: </a:t>
-            </a:r>
-            <a:r>
-              <a:rPr lang="en" sz="1400" noProof="1">
-                <a:solidFill>
-                  <a:schemeClr val="bg1"/>
-                </a:solidFill>
-                <a:effectLst/>
-                <a:latin typeface="Consolas" panose="020B0609020204030204" pitchFamily="49" charset="0"/>
-                <a:cs typeface="Consolas" panose="020B0609020204030204" pitchFamily="49" charset="0"/>
-              </a:rPr>
-              <a:t>E225</a:t>
-            </a:r>
-            <a:r>
-              <a:rPr lang="en" sz="1400" noProof="1">
-                <a:solidFill>
-                  <a:srgbClr val="2FFF12"/>
-                </a:solidFill>
-                <a:effectLst/>
-                <a:latin typeface="Consolas" panose="020B0609020204030204" pitchFamily="49" charset="0"/>
-                <a:cs typeface="Consolas" panose="020B0609020204030204" pitchFamily="49" charset="0"/>
-              </a:rPr>
-              <a:t> missing whitespace around operator</a:t>
-            </a:r>
-          </a:p>
-          <a:p>
-            <a:r>
-              <a:rPr lang="en" sz="1400" noProof="1">
-                <a:solidFill>
-                  <a:srgbClr val="2FFF12"/>
-                </a:solidFill>
-                <a:effectLst/>
-                <a:latin typeface="Consolas" panose="020B0609020204030204" pitchFamily="49" charset="0"/>
-                <a:cs typeface="Consolas" panose="020B0609020204030204" pitchFamily="49" charset="0"/>
-              </a:rPr>
-              <a:t>    self.var=var</a:t>
-            </a:r>
-          </a:p>
-          <a:p>
-            <a:r>
-              <a:rPr lang="en" sz="1400" noProof="1">
-                <a:solidFill>
-                  <a:srgbClr val="2FFF12"/>
-                </a:solidFill>
-                <a:effectLst/>
-                <a:latin typeface="Consolas" panose="020B0609020204030204" pitchFamily="49" charset="0"/>
-                <a:cs typeface="Consolas" panose="020B0609020204030204" pitchFamily="49" charset="0"/>
-              </a:rPr>
-              <a:t>            ^</a:t>
-            </a:r>
-          </a:p>
-          <a:p>
-            <a:r>
-              <a:rPr lang="en" sz="1400" noProof="1">
-                <a:solidFill>
-                  <a:srgbClr val="2FFF12"/>
-                </a:solidFill>
-                <a:effectLst/>
-                <a:latin typeface="Consolas" panose="020B0609020204030204" pitchFamily="49" charset="0"/>
-                <a:cs typeface="Consolas" panose="020B0609020204030204" pitchFamily="49" charset="0"/>
-              </a:rPr>
-              <a:t>bad-example.py:13:1: </a:t>
-            </a:r>
-            <a:r>
-              <a:rPr lang="en" sz="1400" noProof="1">
-                <a:solidFill>
-                  <a:schemeClr val="bg1"/>
-                </a:solidFill>
-                <a:effectLst/>
-                <a:latin typeface="Consolas" panose="020B0609020204030204" pitchFamily="49" charset="0"/>
-                <a:cs typeface="Consolas" panose="020B0609020204030204" pitchFamily="49" charset="0"/>
-              </a:rPr>
-              <a:t>E302</a:t>
-            </a:r>
-            <a:r>
-              <a:rPr lang="en" sz="1400" noProof="1">
-                <a:solidFill>
-                  <a:srgbClr val="2FFF12"/>
-                </a:solidFill>
-                <a:effectLst/>
-                <a:latin typeface="Consolas" panose="020B0609020204030204" pitchFamily="49" charset="0"/>
-                <a:cs typeface="Consolas" panose="020B0609020204030204" pitchFamily="49" charset="0"/>
-              </a:rPr>
-              <a:t> expected </a:t>
-            </a:r>
-            <a:r>
-              <a:rPr lang="en" sz="1400" noProof="1">
-                <a:solidFill>
-                  <a:srgbClr val="FFFFFF"/>
-                </a:solidFill>
-                <a:effectLst/>
-                <a:latin typeface="Consolas" panose="020B0609020204030204" pitchFamily="49" charset="0"/>
-                <a:cs typeface="Consolas" panose="020B0609020204030204" pitchFamily="49" charset="0"/>
-              </a:rPr>
-              <a:t>2 </a:t>
-            </a:r>
-            <a:r>
-              <a:rPr lang="en" sz="1400" noProof="1">
-                <a:solidFill>
-                  <a:srgbClr val="2FFF12"/>
-                </a:solidFill>
-                <a:effectLst/>
-                <a:latin typeface="Consolas" panose="020B0609020204030204" pitchFamily="49" charset="0"/>
-                <a:cs typeface="Consolas" panose="020B0609020204030204" pitchFamily="49" charset="0"/>
-              </a:rPr>
-              <a:t>blank lines, found </a:t>
-            </a:r>
-            <a:r>
-              <a:rPr lang="en" sz="1400" noProof="1">
-                <a:solidFill>
-                  <a:srgbClr val="FFFFFF"/>
-                </a:solidFill>
-                <a:effectLst/>
-                <a:latin typeface="Consolas" panose="020B0609020204030204" pitchFamily="49" charset="0"/>
-                <a:cs typeface="Consolas" panose="020B0609020204030204" pitchFamily="49" charset="0"/>
-              </a:rPr>
-              <a:t>1</a:t>
-            </a:r>
-          </a:p>
-          <a:p>
-            <a:r>
-              <a:rPr lang="en" sz="1400" noProof="1">
-                <a:solidFill>
-                  <a:srgbClr val="2FFF12"/>
-                </a:solidFill>
-                <a:effectLst/>
-                <a:latin typeface="Consolas" panose="020B0609020204030204" pitchFamily="49" charset="0"/>
-                <a:cs typeface="Consolas" panose="020B0609020204030204" pitchFamily="49" charset="0"/>
-              </a:rPr>
-              <a:t>def out(var):</a:t>
-            </a:r>
-          </a:p>
-          <a:p>
-            <a:r>
-              <a:rPr lang="en" sz="1400" noProof="1">
-                <a:solidFill>
-                  <a:srgbClr val="2FFF12"/>
+                  <a:srgbClr val="00B0F0"/>
                 </a:solidFill>
                 <a:effectLst/>
                 <a:latin typeface="Consolas" panose="020B0609020204030204" pitchFamily="49" charset="0"/>
@@ -8514,11 +8684,25 @@
             </a:r>
             <a:r>
               <a:rPr lang="ru-RU" sz="1700" dirty="0"/>
-              <a:t>были нарушены, используйте ключ -- </a:t>
+              <a:t>были нарушены, используйте ключ </a:t>
+            </a:r>
+            <a:r>
+              <a:rPr lang="ru-RU" sz="1700" dirty="0">
+                <a:latin typeface="Consolas" panose="020B0609020204030204" pitchFamily="49" charset="0"/>
+                <a:cs typeface="Consolas" panose="020B0609020204030204" pitchFamily="49" charset="0"/>
+              </a:rPr>
+              <a:t>--</a:t>
+            </a:r>
+            <a:r>
+              <a:rPr lang="en" sz="1700" dirty="0">
+                <a:latin typeface="Consolas" panose="020B0609020204030204" pitchFamily="49" charset="0"/>
+                <a:cs typeface="Consolas" panose="020B0609020204030204" pitchFamily="49" charset="0"/>
+              </a:rPr>
+              <a:t>show-pep8</a:t>
             </a:r>
             <a:r>
               <a:rPr lang="en" sz="1700" dirty="0"/>
-              <a:t>show-pep8.</a:t>
+              <a:t>.</a:t>
             </a:r>
           </a:p>
           <a:p>
@@ -10142,7 +10326,7 @@
             <a:r>
               <a:rPr lang="en" b="0" i="0" noProof="1">
                 <a:solidFill>
-                  <a:srgbClr val="F5AB35"/>
+                  <a:schemeClr val="bg1"/>
                 </a:solidFill>
                 <a:effectLst/>
                 <a:latin typeface="Consolas" panose="020B0609020204030204" pitchFamily="49" charset="0"/>
@@ -12204,8 +12388,11 @@
             </a:r>
             <a:r>
               <a:rPr lang="ru-RU" dirty="0"/>
-              <a:t> и </a:t>
-            </a:r>
+              <a:t> и</a:t>
+            </a:r>
+            <a:br>
+              <a:rPr lang="ru-RU" dirty="0"/>
+            </a:br>
             <a:r>
               <a:rPr lang="en-US" dirty="0"/>
               <a:t>«</a:t>
@@ -12344,6 +12531,36 @@
           </a:p>
         </p:txBody>
       </p:sp>
+      <p:pic>
+        <p:nvPicPr>
+          <p:cNvPr id="5" name="Рисунок 4">
+            <a:extLst>
+              <a:ext uri="{FF2B5EF4-FFF2-40B4-BE49-F238E27FC236}">
+                <a16:creationId xmlns:a16="http://schemas.microsoft.com/office/drawing/2014/main" id="{2449E713-2F41-2538-AF46-9B49DD2A4C02}"/>
+              </a:ext>
+            </a:extLst>
+          </p:cNvPr>
+          <p:cNvPicPr>
+            <a:picLocks noChangeAspect="1"/>
+          </p:cNvPicPr>
+          <p:nvPr/>
+        </p:nvPicPr>
+        <p:blipFill>
+          <a:blip r:embed="rId2"/>
+          <a:stretch>
+            <a:fillRect/>
+          </a:stretch>
+        </p:blipFill>
+        <p:spPr>
+          <a:xfrm>
+            <a:off x="7048827" y="3886200"/>
+            <a:ext cx="5143173" cy="2971800"/>
+          </a:xfrm>
+          <a:prstGeom prst="rect">
+            <a:avLst/>
+          </a:prstGeom>
+        </p:spPr>
+      </p:pic>
     </p:spTree>
     <p:extLst>
       <p:ext uri="{BB962C8B-B14F-4D97-AF65-F5344CB8AC3E}">
@@ -12427,12 +12644,12 @@
         <p:spPr>
           <a:xfrm>
             <a:off x="838200" y="1122219"/>
-            <a:ext cx="10515600" cy="1082502"/>
+            <a:ext cx="10515600" cy="1588324"/>
           </a:xfrm>
         </p:spPr>
         <p:txBody>
           <a:bodyPr>
-            <a:normAutofit fontScale="70000" lnSpcReduction="20000"/>
+            <a:normAutofit lnSpcReduction="10000"/>
           </a:bodyPr>
           <a:lstStyle/>
           <a:p>
@@ -12443,8 +12660,50 @@
               <a:buNone/>
             </a:pPr>
             <a:r>
-              <a:rPr lang="ru-RU" dirty="0"/>
-              <a:t>Анализ нашего тестового скрипта выдает весьма обширный отчет, состоящий из списка найденных в ходе анализа недочетов, статистических отчетов, представленных в виде таблиц, и общей оценки кода:</a:t>
+              <a:rPr lang="ru-RU" sz="2200" dirty="0"/>
+              <a:t>Анализ нашего тестового скрипта выдает весьма обширный отчет, состоящий из:</a:t>
+            </a:r>
+          </a:p>
+          <a:p>
+            <a:pPr>
+              <a:lnSpc>
+                <a:spcPct val="120000"/>
+              </a:lnSpc>
+              <a:spcBef>
+                <a:spcPts val="0"/>
+              </a:spcBef>
+            </a:pPr>
+            <a:r>
+              <a:rPr lang="ru-RU" sz="2200" dirty="0"/>
+              <a:t>списка найденных в ходе анализа недочетов,</a:t>
+            </a:r>
+          </a:p>
+          <a:p>
+            <a:pPr>
+              <a:lnSpc>
+                <a:spcPct val="120000"/>
+              </a:lnSpc>
+              <a:spcBef>
+                <a:spcPts val="0"/>
+              </a:spcBef>
+            </a:pPr>
+            <a:r>
+              <a:rPr lang="ru-RU" sz="2200" dirty="0"/>
+              <a:t>статистических отчетов, представленных в виде таблиц,</a:t>
+            </a:r>
+          </a:p>
+          <a:p>
+            <a:pPr>
+              <a:lnSpc>
+                <a:spcPct val="120000"/>
+              </a:lnSpc>
+              <a:spcBef>
+                <a:spcPts val="0"/>
+              </a:spcBef>
+            </a:pPr>
+            <a:r>
+              <a:rPr lang="ru-RU" sz="2200" dirty="0"/>
+              <a:t>общей оценки кода.</a:t>
             </a:r>
           </a:p>
           <a:p>
@@ -12466,8 +12725,8 @@
         </p:nvSpPr>
         <p:spPr>
           <a:xfrm>
-            <a:off x="426720" y="2238851"/>
-            <a:ext cx="11572240" cy="4524315"/>
+            <a:off x="426720" y="2794023"/>
+            <a:ext cx="11572240" cy="4031873"/>
           </a:xfrm>
           <a:prstGeom prst="rect">
             <a:avLst/>
@@ -13539,24 +13798,6 @@
               </a:rPr>
               <a:t>(unused-import)</a:t>
             </a:r>
-            <a:endParaRPr lang="en" sz="1600" noProof="1">
-              <a:solidFill>
-                <a:srgbClr val="2FFF12"/>
-              </a:solidFill>
-              <a:effectLst/>
-              <a:latin typeface="Andale Mono" panose="020B0509000000000004" pitchFamily="49" charset="0"/>
-            </a:endParaRPr>
-          </a:p>
-          <a:p>
-            <a:br>
-              <a:rPr lang="en" sz="1600" noProof="1">
-                <a:solidFill>
-                  <a:srgbClr val="2FFF12"/>
-                </a:solidFill>
-                <a:effectLst/>
-                <a:latin typeface="Andale Mono" panose="020B0509000000000004" pitchFamily="49" charset="0"/>
-              </a:rPr>
-            </a:br>
             <a:endParaRPr lang="en" sz="1600" noProof="1">
               <a:solidFill>
                 <a:srgbClr val="2FFF12"/>
@@ -17446,9 +17687,8 @@
             <a:ext cx="10515600" cy="1212543"/>
           </a:xfrm>
           <a:solidFill>
-            <a:schemeClr val="tx1">
-              <a:lumMod val="85000"/>
-              <a:lumOff val="15000"/>
+            <a:schemeClr val="bg2">
+              <a:lumMod val="25000"/>
             </a:schemeClr>
           </a:solidFill>
         </p:spPr>
@@ -18239,9 +18479,8 @@
             <a:avLst/>
           </a:prstGeom>
           <a:solidFill>
-            <a:schemeClr val="tx1">
-              <a:lumMod val="85000"/>
-              <a:lumOff val="15000"/>
+            <a:schemeClr val="bg2">
+              <a:lumMod val="25000"/>
             </a:schemeClr>
           </a:solidFill>
         </p:spPr>
@@ -18717,7 +18956,7 @@
             </a:pPr>
             <a:r>
               <a:rPr lang="ru-RU" dirty="0"/>
-              <a:t>Тестирование новой функциональности самим разработчиком</a:t>
+              <a:t>Динамический анализ кода</a:t>
             </a:r>
           </a:p>
           <a:p>
@@ -18728,7 +18967,18 @@
             </a:pPr>
             <a:r>
               <a:rPr lang="ru-RU" dirty="0"/>
-              <a:t>Динамический анализ кода</a:t>
+              <a:t>Парное программирование</a:t>
+            </a:r>
+          </a:p>
+          <a:p>
+            <a:pPr>
+              <a:lnSpc>
+                <a:spcPct val="100000"/>
+              </a:lnSpc>
+            </a:pPr>
+            <a:r>
+              <a:rPr lang="ru-RU" dirty="0"/>
+              <a:t>Тестирование</a:t>
             </a:r>
           </a:p>
           <a:p>
@@ -19809,24 +20059,6 @@
               </a:rPr>
               <a:t>)</a:t>
             </a:r>
-            <a:br>
-              <a:rPr lang="en" sz="2900" noProof="1">
-                <a:solidFill>
-                  <a:srgbClr val="2FFF12"/>
-                </a:solidFill>
-                <a:effectLst/>
-                <a:latin typeface="Consolas" panose="020B0609020204030204" pitchFamily="49" charset="0"/>
-                <a:cs typeface="Consolas" panose="020B0609020204030204" pitchFamily="49" charset="0"/>
-              </a:rPr>
-            </a:br>
-            <a:endParaRPr lang="en" sz="2900" noProof="1">
-              <a:solidFill>
-                <a:srgbClr val="2FFF12"/>
-              </a:solidFill>
-              <a:effectLst/>
-              <a:latin typeface="Consolas" panose="020B0609020204030204" pitchFamily="49" charset="0"/>
-              <a:cs typeface="Consolas" panose="020B0609020204030204" pitchFamily="49" charset="0"/>
-            </a:endParaRPr>
           </a:p>
           <a:p>
             <a:pPr marL="0" indent="0">
@@ -21024,10 +21256,6 @@
             <a:r>
               <a:rPr lang="en" dirty="0"/>
               <a:t>Flake8 — </a:t>
-            </a:r>
-            <a:r>
-              <a:rPr lang="ru-RU" dirty="0"/>
-              <a:t>первый анализатор в этом обзоре, представляющая собой </a:t>
             </a:r>
             <a:r>
               <a:rPr lang="en-US" dirty="0"/>
@@ -28975,7 +29203,7 @@
         <p:spPr>
           <a:xfrm>
             <a:off x="838200" y="174397"/>
-            <a:ext cx="10515600" cy="888640"/>
+            <a:ext cx="10515600" cy="729117"/>
           </a:xfrm>
         </p:spPr>
         <p:txBody>
@@ -29015,8 +29243,8 @@
         </p:nvSpPr>
         <p:spPr>
           <a:xfrm>
-            <a:off x="838200" y="1150070"/>
-            <a:ext cx="10841610" cy="5707930"/>
+            <a:off x="838200" y="903514"/>
+            <a:ext cx="10841610" cy="5780089"/>
           </a:xfrm>
         </p:spPr>
         <p:txBody>
@@ -29033,18 +29261,6 @@
             </a:pPr>
             <a:r>
               <a:rPr lang="ru-RU" dirty="0"/>
-              <a:t>Требования к качеству кода: высокая стоимость ошибок + простота поддержки.</a:t>
-            </a:r>
-          </a:p>
-          <a:p>
-            <a:pPr marL="0" indent="0">
-              <a:lnSpc>
-                <a:spcPct val="120000"/>
-              </a:lnSpc>
-              <a:buNone/>
-            </a:pPr>
-            <a:r>
-              <a:rPr lang="ru-RU" dirty="0"/>
               <a:t>Критерии хорошего кода:</a:t>
             </a:r>
           </a:p>
@@ -29127,21 +29343,20 @@
               <a:rPr lang="ru-RU" dirty="0"/>
               <a:t>Отсутствие ошибок</a:t>
             </a:r>
-            <a:r>
-              <a:rPr lang="en-US" dirty="0"/>
-              <a:t> (</a:t>
-            </a:r>
+            <a:endParaRPr lang="en-US" dirty="0"/>
+          </a:p>
+          <a:p>
+            <a:pPr>
+              <a:lnSpc>
+                <a:spcPct val="120000"/>
+              </a:lnSpc>
+              <a:spcBef>
+                <a:spcPts val="0"/>
+              </a:spcBef>
+            </a:pPr>
             <a:r>
               <a:rPr lang="ru-RU" dirty="0"/>
-              <a:t>наличие тестов</a:t>
-            </a:r>
-            <a:r>
-              <a:rPr lang="en-US" dirty="0"/>
-              <a:t>)</a:t>
-            </a:r>
-            <a:r>
-              <a:rPr lang="ru-RU" dirty="0"/>
-              <a:t>,</a:t>
+              <a:t>Наличие тестов,</a:t>
             </a:r>
           </a:p>
           <a:p>
@@ -29530,11 +29745,10 @@
             </a:r>
           </a:p>
           <a:p>
-            <a:pPr marL="0" indent="0">
+            <a:pPr>
               <a:lnSpc>
                 <a:spcPct val="120000"/>
               </a:lnSpc>
-              <a:buNone/>
             </a:pPr>
             <a:r>
               <a:rPr lang="ru-RU" dirty="0"/>
@@ -29544,9 +29758,14 @@
               <a:rPr lang="en" dirty="0"/>
               <a:t>PEP8.</a:t>
             </a:r>
-            <a:br>
-              <a:rPr lang="ru-RU" dirty="0"/>
-            </a:br>
+            <a:endParaRPr lang="ru-RU" dirty="0"/>
+          </a:p>
+          <a:p>
+            <a:pPr>
+              <a:lnSpc>
+                <a:spcPct val="120000"/>
+              </a:lnSpc>
+            </a:pPr>
             <a:r>
               <a:rPr lang="ru-RU" dirty="0"/>
               <a:t>Проверка соответствия соглашениям осуществляется с помощью утилиты </a:t>
@@ -29562,17 +29781,14 @@
               <a:rPr lang="en" dirty="0"/>
               <a:t>.</a:t>
             </a:r>
-          </a:p>
-          <a:p>
-            <a:pPr marL="0" indent="0">
+            <a:endParaRPr lang="ru-RU" dirty="0"/>
+          </a:p>
+          <a:p>
+            <a:pPr>
               <a:lnSpc>
                 <a:spcPct val="120000"/>
               </a:lnSpc>
-              <a:buNone/>
-            </a:pPr>
-            <a:br>
-              <a:rPr lang="ru-RU" dirty="0"/>
-            </a:br>
+            </a:pPr>
             <a:r>
               <a:rPr lang="ru-RU" dirty="0"/>
               <a:t>В </a:t>
@@ -31055,7 +31271,7 @@
         </p:nvSpPr>
         <p:spPr>
           <a:xfrm>
-            <a:off x="838200" y="365126"/>
+            <a:off x="838200" y="223612"/>
             <a:ext cx="10515600" cy="834410"/>
           </a:xfrm>
         </p:spPr>
@@ -31089,8 +31305,8 @@
         </p:nvSpPr>
         <p:spPr>
           <a:xfrm>
-            <a:off x="838200" y="1219199"/>
-            <a:ext cx="10515600" cy="5329084"/>
+            <a:off x="838200" y="1058022"/>
+            <a:ext cx="10515600" cy="5658464"/>
           </a:xfrm>
         </p:spPr>
         <p:txBody>
@@ -31110,12 +31326,16 @@
               <a:t>По утверждению разработчиков, </a:t>
             </a:r>
             <a:r>
-              <a:rPr lang="en" dirty="0"/>
+              <a:rPr lang="en" b="1" dirty="0"/>
               <a:t>black — «</a:t>
             </a:r>
             <a:r>
+              <a:rPr lang="ru-RU" b="1" dirty="0"/>
+              <a:t>бескомпромиссный форматировщик</a:t>
+            </a:r>
+            <a:r>
               <a:rPr lang="ru-RU" dirty="0"/>
-              <a:t>бескомпромиссный форматировщик, который работает быстро и экономит время и умственную энергию программистов для более важных вопросов</a:t>
+              <a:t>, который работает быстро и экономит время и умственную энергию программистов для более важных вопросов</a:t>
             </a:r>
             <a:r>
               <a:rPr lang="en-US" dirty="0"/>
@@ -31165,7 +31385,15 @@
             </a:pPr>
             <a:r>
               <a:rPr lang="ru-RU" dirty="0"/>
-              <a:t>Игнорирование не модифицированных файлов, форматер запоминает, какие файлы он изменял и при следующем запуске форматирует только файлы с внесенными изменениями;</a:t>
+              <a:t>Игнорирование не модифицированных файлов, форматер запоминает, какие файлы он изменял и при следующем запуске </a:t>
+            </a:r>
+            <a:r>
+              <a:rPr lang="ru-RU" b="1" dirty="0"/>
+              <a:t>форматирует только файлы с внесенными изменениями</a:t>
+            </a:r>
+            <a:r>
+              <a:rPr lang="ru-RU" dirty="0"/>
+              <a:t>;</a:t>
             </a:r>
           </a:p>
           <a:p>
@@ -31178,7 +31406,15 @@
             </a:pPr>
             <a:r>
               <a:rPr lang="ru-RU" dirty="0"/>
-              <a:t>Возможность запретить изменение отдельных блоков в коде, для этого используются комментарии: </a:t>
+              <a:t>Возможность </a:t>
+            </a:r>
+            <a:r>
+              <a:rPr lang="ru-RU" b="1" dirty="0"/>
+              <a:t>запретить изменение отдельных блоков в коде</a:t>
+            </a:r>
+            <a:r>
+              <a:rPr lang="ru-RU" dirty="0"/>
+              <a:t>, для этого используются комментарии: </a:t>
             </a:r>
             <a:r>
               <a:rPr lang="ru-RU" dirty="0">
@@ -31263,15 +31499,15 @@
               <a:t>Дополнительно можно установить </a:t>
             </a:r>
             <a:r>
-              <a:rPr lang="en" dirty="0"/>
+              <a:rPr lang="en" b="1" dirty="0"/>
               <a:t>HTTP </a:t>
             </a:r>
             <a:r>
-              <a:rPr lang="ru-RU" dirty="0"/>
+              <a:rPr lang="ru-RU" b="1" dirty="0"/>
               <a:t>сервер </a:t>
             </a:r>
             <a:r>
-              <a:rPr lang="en" noProof="1">
+              <a:rPr lang="en" b="1" noProof="1">
                 <a:latin typeface="Consolas" panose="020B0609020204030204" pitchFamily="49" charset="0"/>
                 <a:cs typeface="Consolas" panose="020B0609020204030204" pitchFamily="49" charset="0"/>
               </a:rPr>
@@ -31351,7 +31587,7 @@
         </p:nvSpPr>
         <p:spPr>
           <a:xfrm>
-            <a:off x="484238" y="148814"/>
+            <a:off x="0" y="0"/>
             <a:ext cx="10515600" cy="608269"/>
           </a:xfrm>
         </p:spPr>
@@ -31389,16 +31625,15 @@
             <p:ph idx="1"/>
           </p:nvPr>
         </p:nvPicPr>
-        <p:blipFill>
+        <p:blipFill rotWithShape="1">
           <a:blip r:embed="rId2"/>
-          <a:stretch>
-            <a:fillRect/>
-          </a:stretch>
+          <a:srcRect r="4437"/>
+          <a:stretch/>
         </p:blipFill>
         <p:spPr>
           <a:xfrm>
-            <a:off x="3113" y="973394"/>
-            <a:ext cx="12188888" cy="5884606"/>
+            <a:off x="3113" y="700196"/>
+            <a:ext cx="12188887" cy="6157804"/>
           </a:xfrm>
         </p:spPr>
       </p:pic>
@@ -31416,6 +31651,100 @@
 </file>
 
 <file path=ppt/slides/slide46.xml><?xml version="1.0" encoding="utf-8"?>
+<p:sld xmlns:a="http://schemas.openxmlformats.org/drawingml/2006/main" xmlns:r="http://schemas.openxmlformats.org/officeDocument/2006/relationships" xmlns:p="http://schemas.openxmlformats.org/presentationml/2006/main">
+  <p:cSld>
+    <p:bg>
+      <p:bgPr>
+        <a:solidFill>
+          <a:schemeClr val="accent5">
+            <a:lumMod val="20000"/>
+            <a:lumOff val="80000"/>
+          </a:schemeClr>
+        </a:solidFill>
+        <a:effectLst/>
+      </p:bgPr>
+    </p:bg>
+    <p:spTree>
+      <p:nvGrpSpPr>
+        <p:cNvPr id="1" name=""/>
+        <p:cNvGrpSpPr/>
+        <p:nvPr/>
+      </p:nvGrpSpPr>
+      <p:grpSpPr>
+        <a:xfrm>
+          <a:off x="0" y="0"/>
+          <a:ext cx="0" cy="0"/>
+          <a:chOff x="0" y="0"/>
+          <a:chExt cx="0" cy="0"/>
+        </a:xfrm>
+      </p:grpSpPr>
+      <p:sp>
+        <p:nvSpPr>
+          <p:cNvPr id="4" name="Заголовок 3">
+            <a:extLst>
+              <a:ext uri="{FF2B5EF4-FFF2-40B4-BE49-F238E27FC236}">
+                <a16:creationId xmlns:a16="http://schemas.microsoft.com/office/drawing/2014/main" id="{2988F5FE-EC7C-7AB7-E00F-509F4BBF96A5}"/>
+              </a:ext>
+            </a:extLst>
+          </p:cNvPr>
+          <p:cNvSpPr>
+            <a:spLocks noGrp="1"/>
+          </p:cNvSpPr>
+          <p:nvPr>
+            <p:ph type="title"/>
+          </p:nvPr>
+        </p:nvSpPr>
+        <p:spPr/>
+        <p:txBody>
+          <a:bodyPr/>
+          <a:lstStyle/>
+          <a:p>
+            <a:r>
+              <a:rPr lang="ru-RU" dirty="0"/>
+              <a:t>Интегрированные решения</a:t>
+            </a:r>
+          </a:p>
+        </p:txBody>
+      </p:sp>
+      <p:sp>
+        <p:nvSpPr>
+          <p:cNvPr id="5" name="Текст 4">
+            <a:extLst>
+              <a:ext uri="{FF2B5EF4-FFF2-40B4-BE49-F238E27FC236}">
+                <a16:creationId xmlns:a16="http://schemas.microsoft.com/office/drawing/2014/main" id="{77E817E8-81BB-98DA-EECA-117F2951FC2C}"/>
+              </a:ext>
+            </a:extLst>
+          </p:cNvPr>
+          <p:cNvSpPr>
+            <a:spLocks noGrp="1"/>
+          </p:cNvSpPr>
+          <p:nvPr>
+            <p:ph type="body" idx="1"/>
+          </p:nvPr>
+        </p:nvSpPr>
+        <p:spPr/>
+        <p:txBody>
+          <a:bodyPr/>
+          <a:lstStyle/>
+          <a:p>
+            <a:endParaRPr lang="ru-RU"/>
+          </a:p>
+        </p:txBody>
+      </p:sp>
+    </p:spTree>
+    <p:extLst>
+      <p:ext uri="{BB962C8B-B14F-4D97-AF65-F5344CB8AC3E}">
+        <p14:creationId xmlns:p14="http://schemas.microsoft.com/office/powerpoint/2010/main" val="368368550"/>
+      </p:ext>
+    </p:extLst>
+  </p:cSld>
+  <p:clrMapOvr>
+    <a:masterClrMapping/>
+  </p:clrMapOvr>
+</p:sld>
+</file>
+
+<file path=ppt/slides/slide47.xml><?xml version="1.0" encoding="utf-8"?>
 <p:sld xmlns:a="http://schemas.openxmlformats.org/drawingml/2006/main" xmlns:r="http://schemas.openxmlformats.org/officeDocument/2006/relationships" xmlns:p="http://schemas.openxmlformats.org/presentationml/2006/main">
   <p:cSld>
     <p:spTree>
@@ -31521,7 +31850,47 @@
                 <a:effectLst/>
                 <a:latin typeface="Inter"/>
               </a:rPr>
-              <a:t> анализ не предугадывает, а действительно запускает / компилирует части кода, чтобы определить, работает ли он, но делает это автоматически в фоновом режиме. То есть он на самом деле знает, что пойдёт не так в процессе выполнения программы.</a:t>
+              <a:t> анализ не предугадывает, а действительно </a:t>
+            </a:r>
+            <a:r>
+              <a:rPr lang="ru-RU" b="1" i="0" dirty="0">
+                <a:solidFill>
+                  <a:srgbClr val="0F1111"/>
+                </a:solidFill>
+                <a:effectLst/>
+                <a:latin typeface="Inter"/>
+              </a:rPr>
+              <a:t>запускает / компилирует части кода</a:t>
+            </a:r>
+            <a:r>
+              <a:rPr lang="ru-RU" b="0" i="0" dirty="0">
+                <a:solidFill>
+                  <a:srgbClr val="0F1111"/>
+                </a:solidFill>
+                <a:effectLst/>
+                <a:latin typeface="Inter"/>
+              </a:rPr>
+              <a:t>, чтобы определить, работает ли он, но делает это </a:t>
+            </a:r>
+            <a:r>
+              <a:rPr lang="ru-RU" b="1" i="0" dirty="0">
+                <a:solidFill>
+                  <a:srgbClr val="0F1111"/>
+                </a:solidFill>
+                <a:effectLst/>
+                <a:latin typeface="Inter"/>
+              </a:rPr>
+              <a:t>автоматически в фоновом режиме</a:t>
+            </a:r>
+            <a:r>
+              <a:rPr lang="ru-RU" b="0" i="0" dirty="0">
+                <a:solidFill>
+                  <a:srgbClr val="0F1111"/>
+                </a:solidFill>
+                <a:effectLst/>
+                <a:latin typeface="Inter"/>
+              </a:rPr>
+              <a:t>. То есть он на самом деле знает, что пойдёт не так в процессе выполнения программы.</a:t>
             </a:r>
           </a:p>
           <a:p>
@@ -31549,25 +31918,44 @@
                 <a:effectLst/>
                 <a:latin typeface="Inter"/>
               </a:rPr>
-              <a:t>динамический анализатор кода (плагин под </a:t>
-            </a:r>
-            <a:r>
-              <a:rPr lang="ru-RU" dirty="0">
+              <a:t>динамический анализатор кода (</a:t>
+            </a:r>
+            <a:r>
+              <a:rPr lang="ru-RU" b="1" i="0" dirty="0">
                 <a:solidFill>
                   <a:srgbClr val="0F1111"/>
                 </a:solidFill>
+                <a:effectLst/>
                 <a:latin typeface="Inter"/>
               </a:rPr>
+              <a:t>плагин под </a:t>
+            </a:r>
+            <a:r>
+              <a:rPr lang="ru-RU" b="1" dirty="0">
+                <a:solidFill>
+                  <a:srgbClr val="0F1111"/>
+                </a:solidFill>
+                <a:latin typeface="Inter"/>
+              </a:rPr>
               <a:t>множество </a:t>
             </a:r>
             <a:r>
+              <a:rPr lang="en-US" b="1" dirty="0">
+                <a:solidFill>
+                  <a:srgbClr val="0F1111"/>
+                </a:solidFill>
+                <a:latin typeface="Inter"/>
+              </a:rPr>
+              <a:t>IDE</a:t>
+            </a:r>
+            <a:r>
               <a:rPr lang="en-US" dirty="0">
                 <a:solidFill>
                   <a:srgbClr val="0F1111"/>
                 </a:solidFill>
                 <a:latin typeface="Inter"/>
               </a:rPr>
-              <a:t>IDE: Visual Studio, Eclipse, VS Code, IntelliJ IDEA, PyCharm </a:t>
+              <a:t>: Visual Studio, Eclipse, VS Code, IntelliJ IDEA, PyCharm </a:t>
             </a:r>
             <a:r>
               <a:rPr lang="ru-RU" dirty="0">
@@ -31883,7 +32271,7 @@
 </p:sld>
 </file>
 
-<file path=ppt/slides/slide47.xml><?xml version="1.0" encoding="utf-8"?>
+<file path=ppt/slides/slide48.xml><?xml version="1.0" encoding="utf-8"?>
 <p:sld xmlns:a="http://schemas.openxmlformats.org/drawingml/2006/main" xmlns:r="http://schemas.openxmlformats.org/officeDocument/2006/relationships" xmlns:p="http://schemas.openxmlformats.org/presentationml/2006/main">
   <p:cSld>
     <p:spTree>
@@ -31905,7 +32293,7 @@
           <p:cNvPr id="2" name="Заголовок 1">
             <a:extLst>
               <a:ext uri="{FF2B5EF4-FFF2-40B4-BE49-F238E27FC236}">
-                <a16:creationId xmlns:a16="http://schemas.microsoft.com/office/drawing/2014/main" id="{B3C4F5BF-D0E9-C0C0-EF45-C80C0B97873D}"/>
+                <a16:creationId xmlns:a16="http://schemas.microsoft.com/office/drawing/2014/main" id="{EB259A0A-B0F8-E815-54CA-044C78F1AE7A}"/>
               </a:ext>
             </a:extLst>
           </p:cNvPr>
@@ -31918,29 +32306,58 @@
         </p:nvSpPr>
         <p:spPr>
           <a:xfrm>
-            <a:off x="838200" y="365125"/>
-            <a:ext cx="10515600" cy="1080217"/>
+            <a:off x="381000" y="235974"/>
+            <a:ext cx="10515600" cy="844243"/>
           </a:xfrm>
         </p:spPr>
         <p:txBody>
-          <a:bodyPr>
-            <a:normAutofit/>
-          </a:bodyPr>
+          <a:bodyPr/>
           <a:lstStyle/>
           <a:p>
             <a:r>
-              <a:rPr lang="ru-RU" dirty="0"/>
-              <a:t>Линтеры / форматеры для разных языков</a:t>
-            </a:r>
+              <a:rPr lang="en-US" dirty="0"/>
+              <a:t>Codiga</a:t>
+            </a:r>
+            <a:endParaRPr lang="ru-RU" dirty="0"/>
           </a:p>
         </p:txBody>
       </p:sp>
+      <p:pic>
+        <p:nvPicPr>
+          <p:cNvPr id="5" name="Рисунок 4">
+            <a:extLst>
+              <a:ext uri="{FF2B5EF4-FFF2-40B4-BE49-F238E27FC236}">
+                <a16:creationId xmlns:a16="http://schemas.microsoft.com/office/drawing/2014/main" id="{7C14B6CC-E396-F9CC-8196-3AC0C9D9B27D}"/>
+              </a:ext>
+            </a:extLst>
+          </p:cNvPr>
+          <p:cNvPicPr>
+            <a:picLocks noChangeAspect="1"/>
+          </p:cNvPicPr>
+          <p:nvPr/>
+        </p:nvPicPr>
+        <p:blipFill>
+          <a:blip r:embed="rId2"/>
+          <a:stretch>
+            <a:fillRect/>
+          </a:stretch>
+        </p:blipFill>
+        <p:spPr>
+          <a:xfrm>
+            <a:off x="2379447" y="1458686"/>
+            <a:ext cx="9739477" cy="5163340"/>
+          </a:xfrm>
+          <a:prstGeom prst="rect">
+            <a:avLst/>
+          </a:prstGeom>
+        </p:spPr>
+      </p:pic>
       <p:sp>
         <p:nvSpPr>
           <p:cNvPr id="3" name="Объект 2">
             <a:extLst>
               <a:ext uri="{FF2B5EF4-FFF2-40B4-BE49-F238E27FC236}">
-                <a16:creationId xmlns:a16="http://schemas.microsoft.com/office/drawing/2014/main" id="{93D6D29F-71E4-9F7A-C803-E6CBAE998FC4}"/>
+                <a16:creationId xmlns:a16="http://schemas.microsoft.com/office/drawing/2014/main" id="{E4597A69-2B91-F9A3-7F94-D73016483F52}"/>
               </a:ext>
             </a:extLst>
           </p:cNvPr>
@@ -31953,95 +32370,208 @@
         </p:nvSpPr>
         <p:spPr>
           <a:xfrm>
-            <a:off x="838200" y="1569987"/>
-            <a:ext cx="10515600" cy="3582116"/>
+            <a:off x="73076" y="1209369"/>
+            <a:ext cx="2724553" cy="5507118"/>
           </a:xfrm>
         </p:spPr>
         <p:txBody>
           <a:bodyPr>
-            <a:normAutofit/>
+            <a:normAutofit fontScale="92500" lnSpcReduction="20000"/>
           </a:bodyPr>
           <a:lstStyle/>
           <a:p>
-            <a:pPr marL="0" indent="0" algn="l">
+            <a:pPr marL="180000" indent="-180000">
               <a:lnSpc>
                 <a:spcPct val="100000"/>
               </a:lnSpc>
-              <a:buNone/>
-            </a:pPr>
-            <a:r>
-              <a:rPr lang="ru-RU" sz="2000" dirty="0"/>
-              <a:t>Есть много разных линтеров для каждого языка программирования.</a:t>
-            </a:r>
-            <a:br>
-              <a:rPr lang="ru-RU" sz="2000" dirty="0"/>
-            </a:br>
-            <a:r>
-              <a:rPr lang="ru-RU" sz="2000" dirty="0"/>
-              <a:t>Они отличаются по глубине настройки и возможностям анализа кода — как глубоко они могут его анализировать.</a:t>
-            </a:r>
-          </a:p>
-          <a:p>
-            <a:pPr marL="0" indent="0" algn="l">
+            </a:pPr>
+            <a:r>
+              <a:rPr lang="ru-RU" sz="1900" dirty="0"/>
+              <a:t>Интеграция с </a:t>
+            </a:r>
+            <a:r>
+              <a:rPr lang="en-US" sz="1900" b="1" dirty="0"/>
+              <a:t>IDE</a:t>
+            </a:r>
+          </a:p>
+          <a:p>
+            <a:pPr marL="180000" indent="-180000">
               <a:lnSpc>
                 <a:spcPct val="100000"/>
               </a:lnSpc>
-              <a:buNone/>
-            </a:pPr>
-            <a:r>
-              <a:rPr lang="ru-RU" sz="2000" dirty="0"/>
-              <a:t>Например, для </a:t>
-            </a:r>
-            <a:r>
-              <a:rPr lang="en" sz="2000" dirty="0"/>
-              <a:t>JavaScript </a:t>
-            </a:r>
-            <a:r>
-              <a:rPr lang="ru-RU" sz="2000" dirty="0"/>
-              <a:t>есть </a:t>
-            </a:r>
-            <a:r>
-              <a:rPr lang="en" sz="2000" noProof="1"/>
-              <a:t>JSLint, JSHint </a:t>
-            </a:r>
-            <a:r>
-              <a:rPr lang="ru-RU" sz="2000" noProof="1"/>
-              <a:t>и </a:t>
-            </a:r>
-            <a:r>
-              <a:rPr lang="en" sz="2000" noProof="1"/>
-              <a:t>ESlint</a:t>
-            </a:r>
-            <a:r>
-              <a:rPr lang="en" sz="2000" dirty="0"/>
-              <a:t> — </a:t>
-            </a:r>
-            <a:r>
-              <a:rPr lang="ru-RU" sz="2000" dirty="0"/>
-              <a:t>это всё линтеры, которые делают плюс-минус одно и то же и различаются в деталях.</a:t>
-            </a:r>
-          </a:p>
-          <a:p>
-            <a:pPr marL="0" indent="0" algn="l">
+            </a:pPr>
+            <a:r>
+              <a:rPr lang="ru-RU" sz="1900" b="1" dirty="0"/>
+              <a:t>Интеграция</a:t>
+            </a:r>
+            <a:r>
+              <a:rPr lang="en" sz="1900" dirty="0"/>
+              <a:t> </a:t>
+            </a:r>
+            <a:r>
+              <a:rPr lang="ru-RU" sz="1900" dirty="0"/>
+              <a:t>с различными</a:t>
+            </a:r>
+            <a:r>
+              <a:rPr lang="en" sz="1900" dirty="0"/>
+              <a:t> </a:t>
+            </a:r>
+            <a:r>
+              <a:rPr lang="ru-RU" sz="1900" dirty="0"/>
+              <a:t>платформами </a:t>
+            </a:r>
+            <a:r>
+              <a:rPr lang="en" sz="1900" b="1" dirty="0"/>
+              <a:t>CI/CD</a:t>
+            </a:r>
+            <a:r>
+              <a:rPr lang="en" sz="1900" dirty="0"/>
+              <a:t> </a:t>
+            </a:r>
+            <a:r>
+              <a:rPr lang="ru-RU" sz="1900" dirty="0"/>
+              <a:t>такими как</a:t>
+            </a:r>
+            <a:r>
+              <a:rPr lang="en" sz="1900" dirty="0"/>
+              <a:t> GitHub actions, Circle CI, AWS, CodeBuild</a:t>
+            </a:r>
+            <a:r>
+              <a:rPr lang="ru-RU" sz="1900" dirty="0"/>
+              <a:t> и другими</a:t>
+            </a:r>
+            <a:r>
+              <a:rPr lang="en" sz="1900" dirty="0"/>
+              <a:t>.</a:t>
+            </a:r>
+            <a:endParaRPr lang="ru-RU" sz="1900" dirty="0"/>
+          </a:p>
+          <a:p>
+            <a:pPr marL="180000" indent="-180000">
               <a:lnSpc>
                 <a:spcPct val="100000"/>
               </a:lnSpc>
-              <a:buNone/>
-            </a:pPr>
-            <a:r>
-              <a:rPr lang="ru-RU" sz="2000" dirty="0"/>
-              <a:t>Иногда программисты используют несколько линтеров — один смотрит синтаксис, второй следит за памятью и безопасностью, а в третьем мощная система правил автозамены кода.</a:t>
-            </a:r>
-          </a:p>
-          <a:p>
-            <a:endParaRPr lang="ru-RU" dirty="0"/>
+            </a:pPr>
+            <a:r>
+              <a:rPr lang="ru-RU" sz="1900" b="1" dirty="0"/>
+              <a:t>Поиск уязвимостей</a:t>
+            </a:r>
+            <a:r>
+              <a:rPr lang="ru-RU" sz="1900" dirty="0"/>
+              <a:t> в коде</a:t>
+            </a:r>
+            <a:r>
+              <a:rPr lang="en" sz="1900" dirty="0"/>
+              <a:t> (</a:t>
+            </a:r>
+            <a:r>
+              <a:rPr lang="ru-RU" sz="1900" dirty="0"/>
+              <a:t>по базам </a:t>
+            </a:r>
+            <a:r>
+              <a:rPr lang="en" sz="1900" dirty="0"/>
+              <a:t>CWE, OWASP 10, SANS, and MITRE CWE)</a:t>
+            </a:r>
+            <a:endParaRPr lang="ru-RU" sz="1900" dirty="0"/>
+          </a:p>
+          <a:p>
+            <a:pPr marL="180000" indent="-180000">
+              <a:lnSpc>
+                <a:spcPct val="100000"/>
+              </a:lnSpc>
+            </a:pPr>
+            <a:r>
+              <a:rPr lang="en" sz="1900" b="1" dirty="0"/>
+              <a:t>Quality monitor</a:t>
+            </a:r>
+            <a:r>
+              <a:rPr lang="en" sz="1900" dirty="0"/>
+              <a:t>, which can help you to find the </a:t>
+            </a:r>
+            <a:r>
+              <a:rPr lang="en" sz="1900" b="1" dirty="0"/>
+              <a:t>quality score</a:t>
+            </a:r>
+            <a:r>
+              <a:rPr lang="en" sz="1900" dirty="0"/>
+              <a:t>, Technical Debt, engineering efforts, and much more.</a:t>
+            </a:r>
+          </a:p>
+          <a:p>
+            <a:pPr marL="180000" indent="-180000">
+              <a:lnSpc>
+                <a:spcPct val="100000"/>
+              </a:lnSpc>
+            </a:pPr>
+            <a:r>
+              <a:rPr lang="en" sz="1900" dirty="0"/>
+              <a:t>The </a:t>
+            </a:r>
+            <a:r>
+              <a:rPr lang="en" sz="1900" b="1" dirty="0"/>
+              <a:t>code metrics</a:t>
+            </a:r>
+            <a:r>
+              <a:rPr lang="en" sz="1900" dirty="0"/>
+              <a:t> feature can help you to find </a:t>
+            </a:r>
+            <a:r>
+              <a:rPr lang="en" sz="1900" b="1" dirty="0"/>
+              <a:t>duplicates</a:t>
+            </a:r>
+            <a:r>
+              <a:rPr lang="en" sz="1900" dirty="0"/>
+              <a:t> and </a:t>
+            </a:r>
+            <a:r>
+              <a:rPr lang="en" sz="1900" b="1" dirty="0"/>
+              <a:t>complex or long functions</a:t>
+            </a:r>
+          </a:p>
+          <a:p>
+            <a:pPr marL="180000" indent="-180000">
+              <a:lnSpc>
+                <a:spcPct val="100000"/>
+              </a:lnSpc>
+            </a:pPr>
+            <a:endParaRPr lang="en" sz="1800" dirty="0"/>
           </a:p>
         </p:txBody>
       </p:sp>
+      <p:pic>
+        <p:nvPicPr>
+          <p:cNvPr id="7" name="Рисунок 6">
+            <a:extLst>
+              <a:ext uri="{FF2B5EF4-FFF2-40B4-BE49-F238E27FC236}">
+                <a16:creationId xmlns:a16="http://schemas.microsoft.com/office/drawing/2014/main" id="{4D0BC489-C646-1DD1-FB86-A5BE46C0188C}"/>
+              </a:ext>
+            </a:extLst>
+          </p:cNvPr>
+          <p:cNvPicPr>
+            <a:picLocks noChangeAspect="1"/>
+          </p:cNvPicPr>
+          <p:nvPr/>
+        </p:nvPicPr>
+        <p:blipFill>
+          <a:blip r:embed="rId3"/>
+          <a:stretch>
+            <a:fillRect/>
+          </a:stretch>
+        </p:blipFill>
+        <p:spPr>
+          <a:xfrm>
+            <a:off x="6618514" y="127000"/>
+            <a:ext cx="3505200" cy="1320800"/>
+          </a:xfrm>
+          <a:prstGeom prst="rect">
+            <a:avLst/>
+          </a:prstGeom>
+        </p:spPr>
+      </p:pic>
     </p:spTree>
     <p:extLst>
       <p:ext uri="{BB962C8B-B14F-4D97-AF65-F5344CB8AC3E}">
-        <p14:creationId xmlns:p14="http://schemas.microsoft.com/office/powerpoint/2010/main" val="188544665"/>
+        <p14:creationId xmlns:p14="http://schemas.microsoft.com/office/powerpoint/2010/main" val="1496199149"/>
       </p:ext>
     </p:extLst>
   </p:cSld>
@@ -32051,9 +32581,20 @@
 </p:sld>
 </file>
 
-<file path=ppt/slides/slide48.xml><?xml version="1.0" encoding="utf-8"?>
+<file path=ppt/slides/slide49.xml><?xml version="1.0" encoding="utf-8"?>
 <p:sld xmlns:a="http://schemas.openxmlformats.org/drawingml/2006/main" xmlns:r="http://schemas.openxmlformats.org/officeDocument/2006/relationships" xmlns:p="http://schemas.openxmlformats.org/presentationml/2006/main">
   <p:cSld>
+    <p:bg>
+      <p:bgPr>
+        <a:solidFill>
+          <a:schemeClr val="accent5">
+            <a:lumMod val="20000"/>
+            <a:lumOff val="80000"/>
+          </a:schemeClr>
+        </a:solidFill>
+        <a:effectLst/>
+      </p:bgPr>
+    </p:bg>
     <p:spTree>
       <p:nvGrpSpPr>
         <p:cNvPr id="1" name=""/>
@@ -32070,46 +32611,10 @@
       </p:grpSpPr>
       <p:sp>
         <p:nvSpPr>
-          <p:cNvPr id="2" name="object 2"/>
-          <p:cNvSpPr txBox="1">
-            <a:spLocks noGrp="1"/>
-          </p:cNvSpPr>
-          <p:nvPr>
-            <p:ph type="title"/>
-          </p:nvPr>
-        </p:nvSpPr>
-        <p:spPr>
-          <a:prstGeom prst="rect">
-            <a:avLst/>
-          </a:prstGeom>
-        </p:spPr>
-        <p:txBody>
-          <a:bodyPr vert="horz" wrap="square" lIns="0" tIns="88900" rIns="0" bIns="0" rtlCol="0">
-            <a:spAutoFit/>
-          </a:bodyPr>
-          <a:lstStyle/>
-          <a:p>
-            <a:pPr marR="5080" indent="-1962150">
-              <a:lnSpc>
-                <a:spcPts val="4750"/>
-              </a:lnSpc>
-              <a:spcBef>
-                <a:spcPts val="0"/>
-              </a:spcBef>
-            </a:pPr>
-            <a:r>
-              <a:rPr lang="ru-RU" sz="4000" dirty="0"/>
-              <a:t>Как интегрировать статический анализ в процесс разработки ПО</a:t>
-            </a:r>
-          </a:p>
-        </p:txBody>
-      </p:sp>
-      <p:sp>
-        <p:nvSpPr>
-          <p:cNvPr id="6" name="Объект 5">
+          <p:cNvPr id="4" name="Заголовок 3">
             <a:extLst>
               <a:ext uri="{FF2B5EF4-FFF2-40B4-BE49-F238E27FC236}">
-                <a16:creationId xmlns:a16="http://schemas.microsoft.com/office/drawing/2014/main" id="{F9522127-BC18-3366-653D-7820DF5A5253}"/>
+                <a16:creationId xmlns:a16="http://schemas.microsoft.com/office/drawing/2014/main" id="{2988F5FE-EC7C-7AB7-E00F-509F4BBF96A5}"/>
               </a:ext>
             </a:extLst>
           </p:cNvPr>
@@ -32117,176 +32622,27 @@
             <a:spLocks noGrp="1"/>
           </p:cNvSpPr>
           <p:nvPr>
-            <p:ph idx="1"/>
+            <p:ph type="title"/>
           </p:nvPr>
         </p:nvSpPr>
-        <p:spPr>
-          <a:xfrm>
-            <a:off x="838200" y="1825625"/>
-            <a:ext cx="10901082" cy="4351338"/>
-          </a:xfrm>
-        </p:spPr>
+        <p:spPr/>
         <p:txBody>
           <a:bodyPr/>
           <a:lstStyle/>
           <a:p>
-            <a:pPr marL="241300" marR="1093470" indent="-228600">
-              <a:lnSpc>
-                <a:spcPct val="100000"/>
-              </a:lnSpc>
-              <a:spcBef>
-                <a:spcPts val="480"/>
-              </a:spcBef>
-              <a:buChar char="•"/>
-              <a:tabLst>
-                <a:tab pos="241300" algn="l"/>
-              </a:tabLst>
-            </a:pPr>
-            <a:r>
-              <a:rPr lang="ru-RU" sz="2400" dirty="0"/>
-              <a:t>Каждый разработчик имеет на рабочем месте инструмент статического анализа</a:t>
-            </a:r>
-          </a:p>
-          <a:p>
-            <a:pPr marL="698500" marR="1093470" lvl="1">
-              <a:lnSpc>
-                <a:spcPct val="100000"/>
-              </a:lnSpc>
-              <a:spcBef>
-                <a:spcPts val="480"/>
-              </a:spcBef>
-              <a:tabLst>
-                <a:tab pos="241300" algn="l"/>
-              </a:tabLst>
-            </a:pPr>
-            <a:r>
-              <a:rPr lang="ru-RU" sz="2000" dirty="0"/>
-              <a:t>Использует вручную перед коммитом / передачей на </a:t>
-            </a:r>
-            <a:r>
-              <a:rPr lang="en-US" sz="2000" dirty="0"/>
-              <a:t>code review</a:t>
-            </a:r>
-          </a:p>
-          <a:p>
-            <a:pPr marL="698500" marR="1093470" lvl="1">
-              <a:lnSpc>
-                <a:spcPct val="100000"/>
-              </a:lnSpc>
-              <a:spcBef>
-                <a:spcPts val="480"/>
-              </a:spcBef>
-              <a:tabLst>
-                <a:tab pos="241300" algn="l"/>
-              </a:tabLst>
-            </a:pPr>
-            <a:r>
-              <a:rPr lang="ru-RU" sz="2000" dirty="0"/>
-              <a:t>Использует </a:t>
-            </a:r>
-            <a:r>
-              <a:rPr lang="en-US" sz="2000" dirty="0"/>
-              <a:t>precommit hook </a:t>
-            </a:r>
-            <a:r>
-              <a:rPr lang="ru-RU" sz="2000" dirty="0"/>
-              <a:t>для автоматической проверки перед коммитом</a:t>
-            </a:r>
-          </a:p>
-          <a:p>
-            <a:pPr marL="241300" marR="1093470" indent="-228600">
-              <a:lnSpc>
-                <a:spcPct val="100000"/>
-              </a:lnSpc>
-              <a:spcBef>
-                <a:spcPts val="480"/>
-              </a:spcBef>
-              <a:buChar char="•"/>
-              <a:tabLst>
-                <a:tab pos="241300" algn="l"/>
-              </a:tabLst>
-            </a:pPr>
-            <a:r>
-              <a:rPr lang="ru-RU" sz="2400" dirty="0"/>
-              <a:t>Анализ всей кодовой базы при ночных сборках, и в случае нахождения подозрительного кода — рассылка писем виновникам</a:t>
-            </a:r>
-          </a:p>
-          <a:p>
-            <a:endParaRPr lang="ru-RU" dirty="0"/>
-          </a:p>
-        </p:txBody>
-      </p:sp>
-    </p:spTree>
-  </p:cSld>
-  <p:clrMapOvr>
-    <a:masterClrMapping/>
-  </p:clrMapOvr>
-</p:sld>
-</file>
-
-<file path=ppt/slides/slide49.xml><?xml version="1.0" encoding="utf-8"?>
-<p:sld xmlns:a="http://schemas.openxmlformats.org/drawingml/2006/main" xmlns:r="http://schemas.openxmlformats.org/officeDocument/2006/relationships" xmlns:p="http://schemas.openxmlformats.org/presentationml/2006/main">
-  <p:cSld>
-    <p:spTree>
-      <p:nvGrpSpPr>
-        <p:cNvPr id="1" name=""/>
-        <p:cNvGrpSpPr/>
-        <p:nvPr/>
-      </p:nvGrpSpPr>
-      <p:grpSpPr>
-        <a:xfrm>
-          <a:off x="0" y="0"/>
-          <a:ext cx="0" cy="0"/>
-          <a:chOff x="0" y="0"/>
-          <a:chExt cx="0" cy="0"/>
-        </a:xfrm>
-      </p:grpSpPr>
-      <p:sp>
-        <p:nvSpPr>
-          <p:cNvPr id="2" name="object 2"/>
-          <p:cNvSpPr txBox="1">
-            <a:spLocks noGrp="1"/>
-          </p:cNvSpPr>
-          <p:nvPr>
-            <p:ph type="title"/>
-          </p:nvPr>
-        </p:nvSpPr>
-        <p:spPr>
-          <a:xfrm>
-            <a:off x="838200" y="488592"/>
-            <a:ext cx="10515600" cy="1078629"/>
-          </a:xfrm>
-          <a:prstGeom prst="rect">
-            <a:avLst/>
-          </a:prstGeom>
-        </p:spPr>
-        <p:txBody>
-          <a:bodyPr vert="horz" wrap="square" lIns="0" tIns="80645" rIns="0" bIns="0" rtlCol="0">
-            <a:spAutoFit/>
-          </a:bodyPr>
-          <a:lstStyle/>
-          <a:p>
-            <a:pPr marL="12700" marR="5080" indent="1905">
-              <a:lnSpc>
-                <a:spcPct val="90000"/>
-              </a:lnSpc>
-              <a:spcBef>
-                <a:spcPts val="635"/>
-              </a:spcBef>
-            </a:pPr>
-            <a:r>
-              <a:rPr lang="ru-RU" sz="3600" dirty="0"/>
-              <a:t>Как начать использовать инструменты статического анализа на БОЛЬШИХ проектах и не пасть духом</a:t>
+            <a:r>
+              <a:rPr lang="ru-RU" dirty="0"/>
+              <a:t>Заключение</a:t>
             </a:r>
           </a:p>
         </p:txBody>
       </p:sp>
       <p:sp>
         <p:nvSpPr>
-          <p:cNvPr id="5" name="Объект 4">
+          <p:cNvPr id="5" name="Текст 4">
             <a:extLst>
               <a:ext uri="{FF2B5EF4-FFF2-40B4-BE49-F238E27FC236}">
-                <a16:creationId xmlns:a16="http://schemas.microsoft.com/office/drawing/2014/main" id="{489B94C3-EA5A-9F69-DC83-5FA3278EBC78}"/>
+                <a16:creationId xmlns:a16="http://schemas.microsoft.com/office/drawing/2014/main" id="{77E817E8-81BB-98DA-EECA-117F2951FC2C}"/>
               </a:ext>
             </a:extLst>
           </p:cNvPr>
@@ -32294,177 +32650,24 @@
             <a:spLocks noGrp="1"/>
           </p:cNvSpPr>
           <p:nvPr>
-            <p:ph idx="1"/>
+            <p:ph type="body" idx="1"/>
           </p:nvPr>
         </p:nvSpPr>
-        <p:spPr>
-          <a:xfrm>
-            <a:off x="838200" y="1825624"/>
-            <a:ext cx="10515600" cy="4667251"/>
-          </a:xfrm>
-        </p:spPr>
+        <p:spPr/>
         <p:txBody>
-          <a:bodyPr>
-            <a:normAutofit fontScale="92500" lnSpcReduction="10000"/>
-          </a:bodyPr>
+          <a:bodyPr/>
           <a:lstStyle/>
           <a:p>
-            <a:pPr marL="12701" indent="0">
-              <a:lnSpc>
-                <a:spcPct val="100000"/>
-              </a:lnSpc>
-              <a:spcBef>
-                <a:spcPts val="770"/>
-              </a:spcBef>
-              <a:buNone/>
-              <a:tabLst>
-                <a:tab pos="527685" algn="l"/>
-              </a:tabLst>
-            </a:pPr>
-            <a:r>
-              <a:rPr lang="ru-RU" sz="2800" dirty="0"/>
-              <a:t>Стратегия 1: проверка только нового кода</a:t>
-            </a:r>
-          </a:p>
-          <a:p>
-            <a:pPr marL="527685" indent="-514984">
-              <a:lnSpc>
-                <a:spcPct val="100000"/>
-              </a:lnSpc>
-              <a:spcBef>
-                <a:spcPts val="770"/>
-              </a:spcBef>
-              <a:buAutoNum type="arabicPeriod"/>
-              <a:tabLst>
-                <a:tab pos="527685" algn="l"/>
-              </a:tabLst>
-            </a:pPr>
-            <a:r>
-              <a:rPr lang="ru-RU" sz="2400" dirty="0"/>
-              <a:t>Проверяем проект</a:t>
-            </a:r>
-          </a:p>
-          <a:p>
-            <a:pPr marL="527685" marR="293370" indent="-515620">
-              <a:lnSpc>
-                <a:spcPct val="100000"/>
-              </a:lnSpc>
-              <a:spcBef>
-                <a:spcPts val="1055"/>
-              </a:spcBef>
-              <a:buAutoNum type="arabicPeriod"/>
-              <a:tabLst>
-                <a:tab pos="527685" algn="l"/>
-              </a:tabLst>
-            </a:pPr>
-            <a:r>
-              <a:rPr lang="ru-RU" sz="2400" dirty="0"/>
-              <a:t>Указываем, что все выданные предупреждения нам пока не интересны, поместив их в специальный файл подавления</a:t>
-            </a:r>
-          </a:p>
-          <a:p>
-            <a:pPr marL="527685" indent="-514984">
-              <a:lnSpc>
-                <a:spcPct val="100000"/>
-              </a:lnSpc>
-              <a:spcBef>
-                <a:spcPts val="625"/>
-              </a:spcBef>
-              <a:buAutoNum type="arabicPeriod"/>
-              <a:tabLst>
-                <a:tab pos="527685" algn="l"/>
-              </a:tabLst>
-            </a:pPr>
-            <a:r>
-              <a:rPr lang="ru-RU" sz="2400" dirty="0"/>
-              <a:t>Закладываем файл с разметкой в систему контроля версий</a:t>
-            </a:r>
-          </a:p>
-          <a:p>
-            <a:pPr marL="527685" marR="5080" indent="-515620">
-              <a:lnSpc>
-                <a:spcPct val="100000"/>
-              </a:lnSpc>
-              <a:spcBef>
-                <a:spcPts val="1045"/>
-              </a:spcBef>
-              <a:buAutoNum type="arabicPeriod"/>
-              <a:tabLst>
-                <a:tab pos="527685" algn="l"/>
-              </a:tabLst>
-            </a:pPr>
-            <a:r>
-              <a:rPr lang="ru-RU" sz="2400" dirty="0"/>
-              <a:t>Запускаем анализатор и получаем предупреждения только на новый или измененный код</a:t>
-            </a:r>
-          </a:p>
-          <a:p>
-            <a:pPr marL="12701" indent="0">
-              <a:lnSpc>
-                <a:spcPct val="100000"/>
-              </a:lnSpc>
-              <a:spcBef>
-                <a:spcPts val="1500"/>
-              </a:spcBef>
-              <a:buNone/>
-              <a:tabLst>
-                <a:tab pos="527685" algn="l"/>
-              </a:tabLst>
-            </a:pPr>
-            <a:r>
-              <a:rPr lang="ru-RU" dirty="0"/>
-              <a:t>Стратегия 2: вначале исправляем самое важное</a:t>
-            </a:r>
-          </a:p>
-          <a:p>
-            <a:pPr marL="527051" indent="-514350">
-              <a:lnSpc>
-                <a:spcPct val="100000"/>
-              </a:lnSpc>
-              <a:buAutoNum type="arabicPeriod"/>
-              <a:tabLst>
-                <a:tab pos="527685" algn="l"/>
-              </a:tabLst>
-            </a:pPr>
-            <a:r>
-              <a:rPr lang="ru-RU" sz="2400" dirty="0"/>
-              <a:t>Вначале исправляем только наиболее важные / критичные виды недочётов</a:t>
-            </a:r>
-          </a:p>
-          <a:p>
-            <a:pPr marL="527051" indent="-514350">
-              <a:lnSpc>
-                <a:spcPct val="100000"/>
-              </a:lnSpc>
-              <a:buAutoNum type="arabicPeriod"/>
-              <a:tabLst>
-                <a:tab pos="527685" algn="l"/>
-              </a:tabLst>
-            </a:pPr>
-            <a:r>
-              <a:rPr lang="ru-RU" sz="2400" dirty="0"/>
-              <a:t>Потом исправляем менее важное</a:t>
-            </a:r>
-          </a:p>
-          <a:p>
-            <a:pPr marL="527051" indent="-514350">
-              <a:lnSpc>
-                <a:spcPct val="100000"/>
-              </a:lnSpc>
-              <a:buAutoNum type="arabicPeriod"/>
-              <a:tabLst>
-                <a:tab pos="527685" algn="l"/>
-              </a:tabLst>
-            </a:pPr>
-            <a:r>
-              <a:rPr lang="ru-RU" sz="2400" dirty="0"/>
-              <a:t>Совсем неважные типы ошибок вносим в и</a:t>
-            </a:r>
-            <a:endParaRPr lang="en" sz="2400" dirty="0"/>
+            <a:endParaRPr lang="ru-RU"/>
           </a:p>
         </p:txBody>
       </p:sp>
     </p:spTree>
+    <p:extLst>
+      <p:ext uri="{BB962C8B-B14F-4D97-AF65-F5344CB8AC3E}">
+        <p14:creationId xmlns:p14="http://schemas.microsoft.com/office/powerpoint/2010/main" val="2282343563"/>
+      </p:ext>
+    </p:extLst>
   </p:cSld>
   <p:clrMapOvr>
     <a:masterClrMapping/>
@@ -33838,6 +34041,615 @@
       </p:grpSpPr>
       <p:sp>
         <p:nvSpPr>
+          <p:cNvPr id="2" name="Заголовок 1">
+            <a:extLst>
+              <a:ext uri="{FF2B5EF4-FFF2-40B4-BE49-F238E27FC236}">
+                <a16:creationId xmlns:a16="http://schemas.microsoft.com/office/drawing/2014/main" id="{B3C4F5BF-D0E9-C0C0-EF45-C80C0B97873D}"/>
+              </a:ext>
+            </a:extLst>
+          </p:cNvPr>
+          <p:cNvSpPr>
+            <a:spLocks noGrp="1"/>
+          </p:cNvSpPr>
+          <p:nvPr>
+            <p:ph type="title"/>
+          </p:nvPr>
+        </p:nvSpPr>
+        <p:spPr>
+          <a:xfrm>
+            <a:off x="838200" y="365125"/>
+            <a:ext cx="10515600" cy="1080217"/>
+          </a:xfrm>
+        </p:spPr>
+        <p:txBody>
+          <a:bodyPr>
+            <a:normAutofit/>
+          </a:bodyPr>
+          <a:lstStyle/>
+          <a:p>
+            <a:r>
+              <a:rPr lang="ru-RU" dirty="0"/>
+              <a:t>Линтеры / форматеры для разных языков</a:t>
+            </a:r>
+          </a:p>
+        </p:txBody>
+      </p:sp>
+      <p:sp>
+        <p:nvSpPr>
+          <p:cNvPr id="3" name="Объект 2">
+            <a:extLst>
+              <a:ext uri="{FF2B5EF4-FFF2-40B4-BE49-F238E27FC236}">
+                <a16:creationId xmlns:a16="http://schemas.microsoft.com/office/drawing/2014/main" id="{93D6D29F-71E4-9F7A-C803-E6CBAE998FC4}"/>
+              </a:ext>
+            </a:extLst>
+          </p:cNvPr>
+          <p:cNvSpPr>
+            <a:spLocks noGrp="1"/>
+          </p:cNvSpPr>
+          <p:nvPr>
+            <p:ph idx="1"/>
+          </p:nvPr>
+        </p:nvSpPr>
+        <p:spPr>
+          <a:xfrm>
+            <a:off x="838200" y="1569986"/>
+            <a:ext cx="10515600" cy="3975407"/>
+          </a:xfrm>
+        </p:spPr>
+        <p:txBody>
+          <a:bodyPr>
+            <a:normAutofit/>
+          </a:bodyPr>
+          <a:lstStyle/>
+          <a:p>
+            <a:pPr marL="0" indent="0" algn="l">
+              <a:lnSpc>
+                <a:spcPct val="100000"/>
+              </a:lnSpc>
+              <a:buNone/>
+            </a:pPr>
+            <a:r>
+              <a:rPr lang="ru-RU" sz="2000" dirty="0"/>
+              <a:t>Есть </a:t>
+            </a:r>
+            <a:r>
+              <a:rPr lang="ru-RU" sz="2000" b="1" dirty="0"/>
+              <a:t>много разных линтеров для каждого языка программирования</a:t>
+            </a:r>
+            <a:r>
+              <a:rPr lang="ru-RU" sz="2000" dirty="0"/>
+              <a:t>.</a:t>
+            </a:r>
+            <a:br>
+              <a:rPr lang="ru-RU" sz="2000" dirty="0"/>
+            </a:br>
+            <a:r>
+              <a:rPr lang="ru-RU" sz="2000" dirty="0"/>
+              <a:t>Они </a:t>
+            </a:r>
+            <a:r>
+              <a:rPr lang="ru-RU" sz="2000" b="1" dirty="0"/>
+              <a:t>отличаются по глубине настройки и возможностям анализа кода</a:t>
+            </a:r>
+            <a:r>
+              <a:rPr lang="ru-RU" sz="2000" dirty="0"/>
+              <a:t> — как глубоко они могут его анализировать.</a:t>
+            </a:r>
+          </a:p>
+          <a:p>
+            <a:pPr marL="0" indent="0" algn="l">
+              <a:lnSpc>
+                <a:spcPct val="100000"/>
+              </a:lnSpc>
+              <a:buNone/>
+            </a:pPr>
+            <a:r>
+              <a:rPr lang="ru-RU" sz="2000" dirty="0"/>
+              <a:t>Например, для </a:t>
+            </a:r>
+            <a:r>
+              <a:rPr lang="en" sz="2000" dirty="0"/>
+              <a:t>JavaScript </a:t>
+            </a:r>
+            <a:r>
+              <a:rPr lang="ru-RU" sz="2000" dirty="0"/>
+              <a:t>есть </a:t>
+            </a:r>
+            <a:r>
+              <a:rPr lang="en" sz="2000" noProof="1"/>
+              <a:t>JSLint, JSHint </a:t>
+            </a:r>
+            <a:r>
+              <a:rPr lang="ru-RU" sz="2000" noProof="1"/>
+              <a:t>и </a:t>
+            </a:r>
+            <a:r>
+              <a:rPr lang="en" sz="2000" noProof="1"/>
+              <a:t>ESlint</a:t>
+            </a:r>
+            <a:r>
+              <a:rPr lang="en" sz="2000" dirty="0"/>
+              <a:t> — </a:t>
+            </a:r>
+            <a:r>
+              <a:rPr lang="ru-RU" sz="2000" dirty="0"/>
+              <a:t>это всё линтеры, которые делают плюс-минус одно и то же и различаются в деталях.</a:t>
+            </a:r>
+          </a:p>
+          <a:p>
+            <a:pPr marL="0" indent="0" algn="l">
+              <a:lnSpc>
+                <a:spcPct val="100000"/>
+              </a:lnSpc>
+              <a:buNone/>
+            </a:pPr>
+            <a:r>
+              <a:rPr lang="ru-RU" sz="2000" b="1" dirty="0"/>
+              <a:t>Иногда программисты используют несколько линтеров </a:t>
+            </a:r>
+            <a:r>
+              <a:rPr lang="ru-RU" sz="2000" dirty="0"/>
+              <a:t>— один смотрит синтаксис, второй следит за памятью и безопасностью, а в третьем мощная система правил автозамены кода.</a:t>
+            </a:r>
+          </a:p>
+          <a:p>
+            <a:endParaRPr lang="ru-RU" dirty="0"/>
+          </a:p>
+        </p:txBody>
+      </p:sp>
+    </p:spTree>
+    <p:extLst>
+      <p:ext uri="{BB962C8B-B14F-4D97-AF65-F5344CB8AC3E}">
+        <p14:creationId xmlns:p14="http://schemas.microsoft.com/office/powerpoint/2010/main" val="188544665"/>
+      </p:ext>
+    </p:extLst>
+  </p:cSld>
+  <p:clrMapOvr>
+    <a:masterClrMapping/>
+  </p:clrMapOvr>
+</p:sld>
+</file>
+
+<file path=ppt/slides/slide51.xml><?xml version="1.0" encoding="utf-8"?>
+<p:sld xmlns:a="http://schemas.openxmlformats.org/drawingml/2006/main" xmlns:r="http://schemas.openxmlformats.org/officeDocument/2006/relationships" xmlns:p="http://schemas.openxmlformats.org/presentationml/2006/main">
+  <p:cSld>
+    <p:spTree>
+      <p:nvGrpSpPr>
+        <p:cNvPr id="1" name=""/>
+        <p:cNvGrpSpPr/>
+        <p:nvPr/>
+      </p:nvGrpSpPr>
+      <p:grpSpPr>
+        <a:xfrm>
+          <a:off x="0" y="0"/>
+          <a:ext cx="0" cy="0"/>
+          <a:chOff x="0" y="0"/>
+          <a:chExt cx="0" cy="0"/>
+        </a:xfrm>
+      </p:grpSpPr>
+      <p:sp>
+        <p:nvSpPr>
+          <p:cNvPr id="2" name="object 2"/>
+          <p:cNvSpPr txBox="1">
+            <a:spLocks noGrp="1"/>
+          </p:cNvSpPr>
+          <p:nvPr>
+            <p:ph type="title"/>
+          </p:nvPr>
+        </p:nvSpPr>
+        <p:spPr>
+          <a:prstGeom prst="rect">
+            <a:avLst/>
+          </a:prstGeom>
+        </p:spPr>
+        <p:txBody>
+          <a:bodyPr vert="horz" wrap="square" lIns="0" tIns="88900" rIns="0" bIns="0" rtlCol="0">
+            <a:spAutoFit/>
+          </a:bodyPr>
+          <a:lstStyle/>
+          <a:p>
+            <a:pPr marR="5080" indent="-1962150">
+              <a:lnSpc>
+                <a:spcPts val="4750"/>
+              </a:lnSpc>
+              <a:spcBef>
+                <a:spcPts val="0"/>
+              </a:spcBef>
+            </a:pPr>
+            <a:r>
+              <a:rPr lang="ru-RU" sz="4000" dirty="0"/>
+              <a:t>Как интегрировать статический анализ в процесс разработки ПО</a:t>
+            </a:r>
+          </a:p>
+        </p:txBody>
+      </p:sp>
+      <p:sp>
+        <p:nvSpPr>
+          <p:cNvPr id="6" name="Объект 5">
+            <a:extLst>
+              <a:ext uri="{FF2B5EF4-FFF2-40B4-BE49-F238E27FC236}">
+                <a16:creationId xmlns:a16="http://schemas.microsoft.com/office/drawing/2014/main" id="{F9522127-BC18-3366-653D-7820DF5A5253}"/>
+              </a:ext>
+            </a:extLst>
+          </p:cNvPr>
+          <p:cNvSpPr>
+            <a:spLocks noGrp="1"/>
+          </p:cNvSpPr>
+          <p:nvPr>
+            <p:ph idx="1"/>
+          </p:nvPr>
+        </p:nvSpPr>
+        <p:spPr>
+          <a:xfrm>
+            <a:off x="838200" y="1825625"/>
+            <a:ext cx="10901082" cy="4351338"/>
+          </a:xfrm>
+        </p:spPr>
+        <p:txBody>
+          <a:bodyPr/>
+          <a:lstStyle/>
+          <a:p>
+            <a:pPr marL="241300" marR="1093470" indent="-228600">
+              <a:lnSpc>
+                <a:spcPct val="100000"/>
+              </a:lnSpc>
+              <a:spcBef>
+                <a:spcPts val="480"/>
+              </a:spcBef>
+              <a:buChar char="•"/>
+              <a:tabLst>
+                <a:tab pos="241300" algn="l"/>
+              </a:tabLst>
+            </a:pPr>
+            <a:r>
+              <a:rPr lang="ru-RU" sz="2400" dirty="0"/>
+              <a:t>Каждый разработчик имеет на рабочем месте инструмент статического анализа</a:t>
+            </a:r>
+          </a:p>
+          <a:p>
+            <a:pPr marL="698500" marR="1093470" lvl="1">
+              <a:lnSpc>
+                <a:spcPct val="100000"/>
+              </a:lnSpc>
+              <a:spcBef>
+                <a:spcPts val="480"/>
+              </a:spcBef>
+              <a:tabLst>
+                <a:tab pos="241300" algn="l"/>
+              </a:tabLst>
+            </a:pPr>
+            <a:r>
+              <a:rPr lang="ru-RU" sz="2000" dirty="0"/>
+              <a:t>Использует вручную перед коммитом / передачей на </a:t>
+            </a:r>
+            <a:r>
+              <a:rPr lang="en-US" sz="2000" dirty="0"/>
+              <a:t>code review</a:t>
+            </a:r>
+          </a:p>
+          <a:p>
+            <a:pPr marL="698500" marR="1093470" lvl="1">
+              <a:lnSpc>
+                <a:spcPct val="100000"/>
+              </a:lnSpc>
+              <a:spcBef>
+                <a:spcPts val="480"/>
+              </a:spcBef>
+              <a:tabLst>
+                <a:tab pos="241300" algn="l"/>
+              </a:tabLst>
+            </a:pPr>
+            <a:r>
+              <a:rPr lang="ru-RU" sz="2000" dirty="0"/>
+              <a:t>Использует </a:t>
+            </a:r>
+            <a:r>
+              <a:rPr lang="en-US" sz="2000" dirty="0"/>
+              <a:t>precommit hook </a:t>
+            </a:r>
+            <a:r>
+              <a:rPr lang="ru-RU" sz="2000" dirty="0"/>
+              <a:t>для автоматической проверки перед коммитом</a:t>
+            </a:r>
+          </a:p>
+          <a:p>
+            <a:pPr marL="241300" marR="1093470" indent="-228600">
+              <a:lnSpc>
+                <a:spcPct val="100000"/>
+              </a:lnSpc>
+              <a:spcBef>
+                <a:spcPts val="480"/>
+              </a:spcBef>
+              <a:buChar char="•"/>
+              <a:tabLst>
+                <a:tab pos="241300" algn="l"/>
+              </a:tabLst>
+            </a:pPr>
+            <a:r>
+              <a:rPr lang="ru-RU" sz="2400" dirty="0"/>
+              <a:t>Анализ всей кодовой базы при ночных сборках, и в случае нахождения подозрительного кода — рассылка писем виновникам</a:t>
+            </a:r>
+          </a:p>
+          <a:p>
+            <a:endParaRPr lang="ru-RU" dirty="0"/>
+          </a:p>
+        </p:txBody>
+      </p:sp>
+    </p:spTree>
+  </p:cSld>
+  <p:clrMapOvr>
+    <a:masterClrMapping/>
+  </p:clrMapOvr>
+</p:sld>
+</file>
+
+<file path=ppt/slides/slide52.xml><?xml version="1.0" encoding="utf-8"?>
+<p:sld xmlns:a="http://schemas.openxmlformats.org/drawingml/2006/main" xmlns:r="http://schemas.openxmlformats.org/officeDocument/2006/relationships" xmlns:p="http://schemas.openxmlformats.org/presentationml/2006/main">
+  <p:cSld>
+    <p:spTree>
+      <p:nvGrpSpPr>
+        <p:cNvPr id="1" name=""/>
+        <p:cNvGrpSpPr/>
+        <p:nvPr/>
+      </p:nvGrpSpPr>
+      <p:grpSpPr>
+        <a:xfrm>
+          <a:off x="0" y="0"/>
+          <a:ext cx="0" cy="0"/>
+          <a:chOff x="0" y="0"/>
+          <a:chExt cx="0" cy="0"/>
+        </a:xfrm>
+      </p:grpSpPr>
+      <p:sp>
+        <p:nvSpPr>
+          <p:cNvPr id="2" name="object 2"/>
+          <p:cNvSpPr txBox="1">
+            <a:spLocks noGrp="1"/>
+          </p:cNvSpPr>
+          <p:nvPr>
+            <p:ph type="title"/>
+          </p:nvPr>
+        </p:nvSpPr>
+        <p:spPr>
+          <a:xfrm>
+            <a:off x="838200" y="488592"/>
+            <a:ext cx="10515600" cy="1078629"/>
+          </a:xfrm>
+          <a:prstGeom prst="rect">
+            <a:avLst/>
+          </a:prstGeom>
+        </p:spPr>
+        <p:txBody>
+          <a:bodyPr vert="horz" wrap="square" lIns="0" tIns="80645" rIns="0" bIns="0" rtlCol="0">
+            <a:spAutoFit/>
+          </a:bodyPr>
+          <a:lstStyle/>
+          <a:p>
+            <a:pPr marL="12700" marR="5080" indent="1905">
+              <a:lnSpc>
+                <a:spcPct val="90000"/>
+              </a:lnSpc>
+              <a:spcBef>
+                <a:spcPts val="635"/>
+              </a:spcBef>
+            </a:pPr>
+            <a:r>
+              <a:rPr lang="ru-RU" sz="3600" dirty="0"/>
+              <a:t>Как начать использовать инструменты статического анализа на БОЛЬШИХ проектах и не пасть духом</a:t>
+            </a:r>
+          </a:p>
+        </p:txBody>
+      </p:sp>
+      <p:sp>
+        <p:nvSpPr>
+          <p:cNvPr id="5" name="Объект 4">
+            <a:extLst>
+              <a:ext uri="{FF2B5EF4-FFF2-40B4-BE49-F238E27FC236}">
+                <a16:creationId xmlns:a16="http://schemas.microsoft.com/office/drawing/2014/main" id="{489B94C3-EA5A-9F69-DC83-5FA3278EBC78}"/>
+              </a:ext>
+            </a:extLst>
+          </p:cNvPr>
+          <p:cNvSpPr>
+            <a:spLocks noGrp="1"/>
+          </p:cNvSpPr>
+          <p:nvPr>
+            <p:ph idx="1"/>
+          </p:nvPr>
+        </p:nvSpPr>
+        <p:spPr>
+          <a:xfrm>
+            <a:off x="838200" y="1825624"/>
+            <a:ext cx="10515600" cy="4667251"/>
+          </a:xfrm>
+        </p:spPr>
+        <p:txBody>
+          <a:bodyPr>
+            <a:normAutofit fontScale="92500" lnSpcReduction="10000"/>
+          </a:bodyPr>
+          <a:lstStyle/>
+          <a:p>
+            <a:pPr marL="12701" indent="0">
+              <a:lnSpc>
+                <a:spcPct val="100000"/>
+              </a:lnSpc>
+              <a:spcBef>
+                <a:spcPts val="770"/>
+              </a:spcBef>
+              <a:buNone/>
+              <a:tabLst>
+                <a:tab pos="527685" algn="l"/>
+              </a:tabLst>
+            </a:pPr>
+            <a:r>
+              <a:rPr lang="ru-RU" sz="2800" dirty="0"/>
+              <a:t>Стратегия 1: проверка только нового кода</a:t>
+            </a:r>
+          </a:p>
+          <a:p>
+            <a:pPr marL="527685" indent="-514984">
+              <a:lnSpc>
+                <a:spcPct val="100000"/>
+              </a:lnSpc>
+              <a:spcBef>
+                <a:spcPts val="770"/>
+              </a:spcBef>
+              <a:buAutoNum type="arabicPeriod"/>
+              <a:tabLst>
+                <a:tab pos="527685" algn="l"/>
+              </a:tabLst>
+            </a:pPr>
+            <a:r>
+              <a:rPr lang="ru-RU" sz="2400" dirty="0"/>
+              <a:t>Проверяем проект</a:t>
+            </a:r>
+          </a:p>
+          <a:p>
+            <a:pPr marL="527685" marR="293370" indent="-515620">
+              <a:lnSpc>
+                <a:spcPct val="100000"/>
+              </a:lnSpc>
+              <a:spcBef>
+                <a:spcPts val="1055"/>
+              </a:spcBef>
+              <a:buAutoNum type="arabicPeriod"/>
+              <a:tabLst>
+                <a:tab pos="527685" algn="l"/>
+              </a:tabLst>
+            </a:pPr>
+            <a:r>
+              <a:rPr lang="ru-RU" sz="2400" dirty="0"/>
+              <a:t>Указываем, что все выданные предупреждения нам пока не интересны, поместив их в специальный файл подавления</a:t>
+            </a:r>
+          </a:p>
+          <a:p>
+            <a:pPr marL="527685" indent="-514984">
+              <a:lnSpc>
+                <a:spcPct val="100000"/>
+              </a:lnSpc>
+              <a:spcBef>
+                <a:spcPts val="625"/>
+              </a:spcBef>
+              <a:buAutoNum type="arabicPeriod"/>
+              <a:tabLst>
+                <a:tab pos="527685" algn="l"/>
+              </a:tabLst>
+            </a:pPr>
+            <a:r>
+              <a:rPr lang="ru-RU" sz="2400" dirty="0"/>
+              <a:t>Закладываем файл с разметкой в систему контроля версий</a:t>
+            </a:r>
+          </a:p>
+          <a:p>
+            <a:pPr marL="527685" marR="5080" indent="-515620">
+              <a:lnSpc>
+                <a:spcPct val="100000"/>
+              </a:lnSpc>
+              <a:spcBef>
+                <a:spcPts val="1045"/>
+              </a:spcBef>
+              <a:buAutoNum type="arabicPeriod"/>
+              <a:tabLst>
+                <a:tab pos="527685" algn="l"/>
+              </a:tabLst>
+            </a:pPr>
+            <a:r>
+              <a:rPr lang="ru-RU" sz="2400" dirty="0"/>
+              <a:t>Запускаем анализатор и получаем предупреждения только на новый или измененный код</a:t>
+            </a:r>
+          </a:p>
+          <a:p>
+            <a:pPr marL="12701" indent="0">
+              <a:lnSpc>
+                <a:spcPct val="100000"/>
+              </a:lnSpc>
+              <a:spcBef>
+                <a:spcPts val="1500"/>
+              </a:spcBef>
+              <a:buNone/>
+              <a:tabLst>
+                <a:tab pos="527685" algn="l"/>
+              </a:tabLst>
+            </a:pPr>
+            <a:r>
+              <a:rPr lang="ru-RU" dirty="0"/>
+              <a:t>Стратегия 2: вначале исправляем самое важное</a:t>
+            </a:r>
+          </a:p>
+          <a:p>
+            <a:pPr marL="527051" indent="-514350">
+              <a:lnSpc>
+                <a:spcPct val="100000"/>
+              </a:lnSpc>
+              <a:buAutoNum type="arabicPeriod"/>
+              <a:tabLst>
+                <a:tab pos="527685" algn="l"/>
+              </a:tabLst>
+            </a:pPr>
+            <a:r>
+              <a:rPr lang="ru-RU" sz="2400" dirty="0"/>
+              <a:t>Вначале исправляем только наиболее важные / критичные виды недочётов</a:t>
+            </a:r>
+          </a:p>
+          <a:p>
+            <a:pPr marL="527051" indent="-514350">
+              <a:lnSpc>
+                <a:spcPct val="100000"/>
+              </a:lnSpc>
+              <a:buAutoNum type="arabicPeriod"/>
+              <a:tabLst>
+                <a:tab pos="527685" algn="l"/>
+              </a:tabLst>
+            </a:pPr>
+            <a:r>
+              <a:rPr lang="ru-RU" sz="2400" dirty="0"/>
+              <a:t>Потом исправляем менее важное</a:t>
+            </a:r>
+          </a:p>
+          <a:p>
+            <a:pPr marL="527051" indent="-514350">
+              <a:lnSpc>
+                <a:spcPct val="100000"/>
+              </a:lnSpc>
+              <a:buAutoNum type="arabicPeriod"/>
+              <a:tabLst>
+                <a:tab pos="527685" algn="l"/>
+              </a:tabLst>
+            </a:pPr>
+            <a:r>
+              <a:rPr lang="ru-RU" sz="2400" dirty="0"/>
+              <a:t>Совсем неважные типы ошибок вносим в игнор-лист</a:t>
+            </a:r>
+            <a:endParaRPr lang="en" sz="2400" dirty="0"/>
+          </a:p>
+        </p:txBody>
+      </p:sp>
+    </p:spTree>
+  </p:cSld>
+  <p:clrMapOvr>
+    <a:masterClrMapping/>
+  </p:clrMapOvr>
+</p:sld>
+</file>
+
+<file path=ppt/slides/slide53.xml><?xml version="1.0" encoding="utf-8"?>
+<p:sld xmlns:a="http://schemas.openxmlformats.org/drawingml/2006/main" xmlns:r="http://schemas.openxmlformats.org/officeDocument/2006/relationships" xmlns:p="http://schemas.openxmlformats.org/presentationml/2006/main">
+  <p:cSld>
+    <p:spTree>
+      <p:nvGrpSpPr>
+        <p:cNvPr id="1" name=""/>
+        <p:cNvGrpSpPr/>
+        <p:nvPr/>
+      </p:nvGrpSpPr>
+      <p:grpSpPr>
+        <a:xfrm>
+          <a:off x="0" y="0"/>
+          <a:ext cx="0" cy="0"/>
+          <a:chOff x="0" y="0"/>
+          <a:chExt cx="0" cy="0"/>
+        </a:xfrm>
+      </p:grpSpPr>
+      <p:sp>
+        <p:nvSpPr>
           <p:cNvPr id="2" name="object 2"/>
           <p:cNvSpPr txBox="1">
             <a:spLocks noGrp="1"/>
@@ -33999,6 +34811,106 @@
         </p:txBody>
       </p:sp>
     </p:spTree>
+  </p:cSld>
+  <p:clrMapOvr>
+    <a:masterClrMapping/>
+  </p:clrMapOvr>
+</p:sld>
+</file>
+
+<file path=ppt/slides/slide54.xml><?xml version="1.0" encoding="utf-8"?>
+<p:sld xmlns:a="http://schemas.openxmlformats.org/drawingml/2006/main" xmlns:r="http://schemas.openxmlformats.org/officeDocument/2006/relationships" xmlns:p="http://schemas.openxmlformats.org/presentationml/2006/main">
+  <p:cSld>
+    <p:bg>
+      <p:bgPr>
+        <a:solidFill>
+          <a:schemeClr val="accent5">
+            <a:lumMod val="20000"/>
+            <a:lumOff val="80000"/>
+          </a:schemeClr>
+        </a:solidFill>
+        <a:effectLst/>
+      </p:bgPr>
+    </p:bg>
+    <p:spTree>
+      <p:nvGrpSpPr>
+        <p:cNvPr id="1" name=""/>
+        <p:cNvGrpSpPr/>
+        <p:nvPr/>
+      </p:nvGrpSpPr>
+      <p:grpSpPr>
+        <a:xfrm>
+          <a:off x="0" y="0"/>
+          <a:ext cx="0" cy="0"/>
+          <a:chOff x="0" y="0"/>
+          <a:chExt cx="0" cy="0"/>
+        </a:xfrm>
+      </p:grpSpPr>
+      <p:sp>
+        <p:nvSpPr>
+          <p:cNvPr id="4" name="Заголовок 3">
+            <a:extLst>
+              <a:ext uri="{FF2B5EF4-FFF2-40B4-BE49-F238E27FC236}">
+                <a16:creationId xmlns:a16="http://schemas.microsoft.com/office/drawing/2014/main" id="{2988F5FE-EC7C-7AB7-E00F-509F4BBF96A5}"/>
+              </a:ext>
+            </a:extLst>
+          </p:cNvPr>
+          <p:cNvSpPr>
+            <a:spLocks noGrp="1"/>
+          </p:cNvSpPr>
+          <p:nvPr>
+            <p:ph type="title"/>
+          </p:nvPr>
+        </p:nvSpPr>
+        <p:spPr>
+          <a:xfrm>
+            <a:off x="831850" y="1709739"/>
+            <a:ext cx="10515600" cy="2528774"/>
+          </a:xfrm>
+        </p:spPr>
+        <p:txBody>
+          <a:bodyPr/>
+          <a:lstStyle/>
+          <a:p>
+            <a:pPr algn="ctr"/>
+            <a:r>
+              <a:rPr lang="ru-RU" dirty="0"/>
+              <a:t>Вопросы?</a:t>
+            </a:r>
+          </a:p>
+        </p:txBody>
+      </p:sp>
+      <p:sp>
+        <p:nvSpPr>
+          <p:cNvPr id="5" name="Текст 4">
+            <a:extLst>
+              <a:ext uri="{FF2B5EF4-FFF2-40B4-BE49-F238E27FC236}">
+                <a16:creationId xmlns:a16="http://schemas.microsoft.com/office/drawing/2014/main" id="{77E817E8-81BB-98DA-EECA-117F2951FC2C}"/>
+              </a:ext>
+            </a:extLst>
+          </p:cNvPr>
+          <p:cNvSpPr>
+            <a:spLocks noGrp="1"/>
+          </p:cNvSpPr>
+          <p:nvPr>
+            <p:ph type="body" idx="1"/>
+          </p:nvPr>
+        </p:nvSpPr>
+        <p:spPr/>
+        <p:txBody>
+          <a:bodyPr/>
+          <a:lstStyle/>
+          <a:p>
+            <a:endParaRPr lang="ru-RU"/>
+          </a:p>
+        </p:txBody>
+      </p:sp>
+    </p:spTree>
+    <p:extLst>
+      <p:ext uri="{BB962C8B-B14F-4D97-AF65-F5344CB8AC3E}">
+        <p14:creationId xmlns:p14="http://schemas.microsoft.com/office/powerpoint/2010/main" val="890710288"/>
+      </p:ext>
+    </p:extLst>
   </p:cSld>
   <p:clrMapOvr>
     <a:masterClrMapping/>
@@ -34410,7 +35322,40 @@
             </a:pPr>
             <a:r>
               <a:rPr lang="ru-RU" sz="2400" dirty="0"/>
-              <a:t>Выявление ошибок высокого уровня </a:t>
+              <a:t>Выявление ошибок высокого уровня</a:t>
+            </a:r>
+          </a:p>
+          <a:p>
+            <a:pPr lvl="1">
+              <a:lnSpc>
+                <a:spcPct val="100000"/>
+              </a:lnSpc>
+            </a:pPr>
+            <a:r>
+              <a:rPr lang="ru-RU" sz="2000" dirty="0"/>
+              <a:t>Архитектура</a:t>
+            </a:r>
+          </a:p>
+          <a:p>
+            <a:pPr lvl="1">
+              <a:lnSpc>
+                <a:spcPct val="100000"/>
+              </a:lnSpc>
+            </a:pPr>
+            <a:r>
+              <a:rPr lang="ru-RU" sz="2000" dirty="0"/>
+              <a:t>Алгоритмы</a:t>
+            </a:r>
+          </a:p>
+          <a:p>
+            <a:pPr lvl="1">
+              <a:lnSpc>
+                <a:spcPct val="100000"/>
+              </a:lnSpc>
+            </a:pPr>
+            <a:r>
+              <a:rPr lang="ru-RU" sz="2000" dirty="0"/>
+              <a:t>Производительность / безопасность </a:t>
             </a:r>
           </a:p>
           <a:p>
@@ -34779,7 +35724,7 @@
           <a:p>
             <a:r>
               <a:rPr lang="ru-RU" dirty="0"/>
-              <a:t>Статический анализ кода </a:t>
+              <a:t>Статический анализ кода (</a:t>
             </a:r>
             <a:r>
               <a:rPr lang="en-US" dirty="0">
@@ -34793,7 +35738,7 @@
             </a:r>
             <a:r>
               <a:rPr lang="ru-RU" dirty="0"/>
-              <a:t> </a:t>
+              <a:t>)</a:t>
             </a:r>
           </a:p>
         </p:txBody>
@@ -35195,6 +36140,34 @@
             </a:r>
           </a:p>
           <a:p>
+            <a:r>
+              <a:rPr lang="ru-RU" sz="2400" dirty="0"/>
+              <a:t>Нерелевантные правила</a:t>
+            </a:r>
+          </a:p>
+          <a:p>
+            <a:pPr lvl="1"/>
+            <a:r>
+              <a:rPr lang="ru-RU" sz="2000" dirty="0"/>
+              <a:t>Многие правила плохо соотносятся с конкретным проектом</a:t>
+            </a:r>
+          </a:p>
+          <a:p>
+            <a:pPr lvl="1"/>
+            <a:r>
+              <a:rPr lang="ru-RU" sz="2000" dirty="0"/>
+              <a:t>Нужно настраивать под себя</a:t>
+            </a:r>
+          </a:p>
+          <a:p>
+            <a:pPr lvl="1"/>
+            <a:r>
+              <a:rPr lang="ru-RU" sz="2000" dirty="0"/>
+              <a:t>Сложно составить набор правил обязательных к исполнению, но возможно )</a:t>
+            </a:r>
+            <a:endParaRPr lang="ru-RU" sz="2400" dirty="0"/>
+          </a:p>
+          <a:p>
             <a:pPr marL="0" indent="0">
               <a:buFont typeface="Arial" panose="020B0604020202020204" pitchFamily="34" charset="0"/>
               <a:buNone/>
@@ -35310,6 +36283,9 @@
               <a:lnSpc>
                 <a:spcPct val="110000"/>
               </a:lnSpc>
+              <a:spcBef>
+                <a:spcPts val="1500"/>
+              </a:spcBef>
               <a:buNone/>
             </a:pPr>
             <a:r>
@@ -35372,7 +36348,7 @@
             </a:pPr>
             <a:r>
               <a:rPr lang="ru-RU" dirty="0"/>
-              <a:t>Выработанные требования к оформлению кода не исключают появления </a:t>
+              <a:t>Возможны стилистические </a:t>
             </a:r>
             <a:r>
               <a:rPr lang="en-US" dirty="0"/>
@@ -35380,7 +36356,7 @@
             </a:r>
             <a:r>
               <a:rPr lang="ru-RU" dirty="0"/>
-              <a:t>разночтений</a:t>
+              <a:t>разночтения</a:t>
             </a:r>
             <a:r>
               <a:rPr lang="en-US" dirty="0"/>
@@ -35388,7 +36364,7 @@
             </a:r>
             <a:r>
               <a:rPr lang="ru-RU" dirty="0"/>
-              <a:t> среди разработчиков и временных затрат на их обсуждение.</a:t>
+              <a:t> среди разработчиков: время на их обсуждение в конкретных случаях + конфликты.</a:t>
             </a:r>
           </a:p>
           <a:p>
@@ -35399,7 +36375,7 @@
             </a:pPr>
             <a:r>
               <a:rPr lang="ru-RU" dirty="0"/>
-              <a:t>Соблюдение выработанных требований ложится на плечи программистов в виде дополнительной нагрузки</a:t>
+              <a:t>Временные затраты + дополнительной нагрузки</a:t>
             </a:r>
           </a:p>
           <a:p>
